--- a/finalproject/Група №3.pptx
+++ b/finalproject/Група №3.pptx
@@ -6,6 +6,14 @@
   </p:sldMasterIdLst>
   <p:sldIdLst>
     <p:sldId id="256" r:id="rId2"/>
+    <p:sldId id="257" r:id="rId3"/>
+    <p:sldId id="258" r:id="rId4"/>
+    <p:sldId id="260" r:id="rId5"/>
+    <p:sldId id="261" r:id="rId6"/>
+    <p:sldId id="262" r:id="rId7"/>
+    <p:sldId id="263" r:id="rId8"/>
+    <p:sldId id="264" r:id="rId9"/>
+    <p:sldId id="265" r:id="rId10"/>
   </p:sldIdLst>
   <p:sldSz cx="9144000" cy="6858000" type="screen4x3"/>
   <p:notesSz cx="6858000" cy="9144000"/>
@@ -288,7 +296,8 @@
           <a:p>
             <a:fld id="{5BA923E7-2888-42AA-97A0-C4E1E0E5A57D}" type="datetimeFigureOut">
               <a:rPr lang="ru-RU" smtClean="0"/>
-              <a:t>03.02.2016</a:t>
+              <a:pPr/>
+              <a:t>04.02.2016</a:t>
             </a:fld>
             <a:endParaRPr lang="ru-RU"/>
           </a:p>
@@ -330,6 +339,7 @@
           <a:p>
             <a:fld id="{EB80C6F6-9C5D-4A60-A8BB-1A7A03B4A9DA}" type="slidenum">
               <a:rPr lang="ru-RU" smtClean="0"/>
+              <a:pPr/>
               <a:t>‹#›</a:t>
             </a:fld>
             <a:endParaRPr lang="ru-RU"/>
@@ -453,7 +463,8 @@
           <a:p>
             <a:fld id="{5BA923E7-2888-42AA-97A0-C4E1E0E5A57D}" type="datetimeFigureOut">
               <a:rPr lang="ru-RU" smtClean="0"/>
-              <a:t>03.02.2016</a:t>
+              <a:pPr/>
+              <a:t>04.02.2016</a:t>
             </a:fld>
             <a:endParaRPr lang="ru-RU"/>
           </a:p>
@@ -495,6 +506,7 @@
           <a:p>
             <a:fld id="{EB80C6F6-9C5D-4A60-A8BB-1A7A03B4A9DA}" type="slidenum">
               <a:rPr lang="ru-RU" smtClean="0"/>
+              <a:pPr/>
               <a:t>‹#›</a:t>
             </a:fld>
             <a:endParaRPr lang="ru-RU"/>
@@ -628,7 +640,8 @@
           <a:p>
             <a:fld id="{5BA923E7-2888-42AA-97A0-C4E1E0E5A57D}" type="datetimeFigureOut">
               <a:rPr lang="ru-RU" smtClean="0"/>
-              <a:t>03.02.2016</a:t>
+              <a:pPr/>
+              <a:t>04.02.2016</a:t>
             </a:fld>
             <a:endParaRPr lang="ru-RU"/>
           </a:p>
@@ -670,6 +683,7 @@
           <a:p>
             <a:fld id="{EB80C6F6-9C5D-4A60-A8BB-1A7A03B4A9DA}" type="slidenum">
               <a:rPr lang="ru-RU" smtClean="0"/>
+              <a:pPr/>
               <a:t>‹#›</a:t>
             </a:fld>
             <a:endParaRPr lang="ru-RU"/>
@@ -793,7 +807,8 @@
           <a:p>
             <a:fld id="{5BA923E7-2888-42AA-97A0-C4E1E0E5A57D}" type="datetimeFigureOut">
               <a:rPr lang="ru-RU" smtClean="0"/>
-              <a:t>03.02.2016</a:t>
+              <a:pPr/>
+              <a:t>04.02.2016</a:t>
             </a:fld>
             <a:endParaRPr lang="ru-RU"/>
           </a:p>
@@ -835,6 +850,7 @@
           <a:p>
             <a:fld id="{EB80C6F6-9C5D-4A60-A8BB-1A7A03B4A9DA}" type="slidenum">
               <a:rPr lang="ru-RU" smtClean="0"/>
+              <a:pPr/>
               <a:t>‹#›</a:t>
             </a:fld>
             <a:endParaRPr lang="ru-RU"/>
@@ -1034,7 +1050,8 @@
           <a:p>
             <a:fld id="{5BA923E7-2888-42AA-97A0-C4E1E0E5A57D}" type="datetimeFigureOut">
               <a:rPr lang="ru-RU" smtClean="0"/>
-              <a:t>03.02.2016</a:t>
+              <a:pPr/>
+              <a:t>04.02.2016</a:t>
             </a:fld>
             <a:endParaRPr lang="ru-RU"/>
           </a:p>
@@ -1076,6 +1093,7 @@
           <a:p>
             <a:fld id="{EB80C6F6-9C5D-4A60-A8BB-1A7A03B4A9DA}" type="slidenum">
               <a:rPr lang="ru-RU" smtClean="0"/>
+              <a:pPr/>
               <a:t>‹#›</a:t>
             </a:fld>
             <a:endParaRPr lang="ru-RU"/>
@@ -1317,7 +1335,8 @@
           <a:p>
             <a:fld id="{5BA923E7-2888-42AA-97A0-C4E1E0E5A57D}" type="datetimeFigureOut">
               <a:rPr lang="ru-RU" smtClean="0"/>
-              <a:t>03.02.2016</a:t>
+              <a:pPr/>
+              <a:t>04.02.2016</a:t>
             </a:fld>
             <a:endParaRPr lang="ru-RU"/>
           </a:p>
@@ -1359,6 +1378,7 @@
           <a:p>
             <a:fld id="{EB80C6F6-9C5D-4A60-A8BB-1A7A03B4A9DA}" type="slidenum">
               <a:rPr lang="ru-RU" smtClean="0"/>
+              <a:pPr/>
               <a:t>‹#›</a:t>
             </a:fld>
             <a:endParaRPr lang="ru-RU"/>
@@ -1734,7 +1754,8 @@
           <a:p>
             <a:fld id="{5BA923E7-2888-42AA-97A0-C4E1E0E5A57D}" type="datetimeFigureOut">
               <a:rPr lang="ru-RU" smtClean="0"/>
-              <a:t>03.02.2016</a:t>
+              <a:pPr/>
+              <a:t>04.02.2016</a:t>
             </a:fld>
             <a:endParaRPr lang="ru-RU"/>
           </a:p>
@@ -1776,6 +1797,7 @@
           <a:p>
             <a:fld id="{EB80C6F6-9C5D-4A60-A8BB-1A7A03B4A9DA}" type="slidenum">
               <a:rPr lang="ru-RU" smtClean="0"/>
+              <a:pPr/>
               <a:t>‹#›</a:t>
             </a:fld>
             <a:endParaRPr lang="ru-RU"/>
@@ -1847,7 +1869,8 @@
           <a:p>
             <a:fld id="{5BA923E7-2888-42AA-97A0-C4E1E0E5A57D}" type="datetimeFigureOut">
               <a:rPr lang="ru-RU" smtClean="0"/>
-              <a:t>03.02.2016</a:t>
+              <a:pPr/>
+              <a:t>04.02.2016</a:t>
             </a:fld>
             <a:endParaRPr lang="ru-RU"/>
           </a:p>
@@ -1889,6 +1912,7 @@
           <a:p>
             <a:fld id="{EB80C6F6-9C5D-4A60-A8BB-1A7A03B4A9DA}" type="slidenum">
               <a:rPr lang="ru-RU" smtClean="0"/>
+              <a:pPr/>
               <a:t>‹#›</a:t>
             </a:fld>
             <a:endParaRPr lang="ru-RU"/>
@@ -1937,7 +1961,8 @@
           <a:p>
             <a:fld id="{5BA923E7-2888-42AA-97A0-C4E1E0E5A57D}" type="datetimeFigureOut">
               <a:rPr lang="ru-RU" smtClean="0"/>
-              <a:t>03.02.2016</a:t>
+              <a:pPr/>
+              <a:t>04.02.2016</a:t>
             </a:fld>
             <a:endParaRPr lang="ru-RU"/>
           </a:p>
@@ -1979,6 +2004,7 @@
           <a:p>
             <a:fld id="{EB80C6F6-9C5D-4A60-A8BB-1A7A03B4A9DA}" type="slidenum">
               <a:rPr lang="ru-RU" smtClean="0"/>
+              <a:pPr/>
               <a:t>‹#›</a:t>
             </a:fld>
             <a:endParaRPr lang="ru-RU"/>
@@ -2209,7 +2235,8 @@
           <a:p>
             <a:fld id="{5BA923E7-2888-42AA-97A0-C4E1E0E5A57D}" type="datetimeFigureOut">
               <a:rPr lang="ru-RU" smtClean="0"/>
-              <a:t>03.02.2016</a:t>
+              <a:pPr/>
+              <a:t>04.02.2016</a:t>
             </a:fld>
             <a:endParaRPr lang="ru-RU"/>
           </a:p>
@@ -2251,6 +2278,7 @@
           <a:p>
             <a:fld id="{EB80C6F6-9C5D-4A60-A8BB-1A7A03B4A9DA}" type="slidenum">
               <a:rPr lang="ru-RU" smtClean="0"/>
+              <a:pPr/>
               <a:t>‹#›</a:t>
             </a:fld>
             <a:endParaRPr lang="ru-RU"/>
@@ -2457,7 +2485,8 @@
           <a:p>
             <a:fld id="{5BA923E7-2888-42AA-97A0-C4E1E0E5A57D}" type="datetimeFigureOut">
               <a:rPr lang="ru-RU" smtClean="0"/>
-              <a:t>03.02.2016</a:t>
+              <a:pPr/>
+              <a:t>04.02.2016</a:t>
             </a:fld>
             <a:endParaRPr lang="ru-RU"/>
           </a:p>
@@ -2499,6 +2528,7 @@
           <a:p>
             <a:fld id="{EB80C6F6-9C5D-4A60-A8BB-1A7A03B4A9DA}" type="slidenum">
               <a:rPr lang="ru-RU" smtClean="0"/>
+              <a:pPr/>
               <a:t>‹#›</a:t>
             </a:fld>
             <a:endParaRPr lang="ru-RU"/>
@@ -2665,7 +2695,8 @@
           <a:p>
             <a:fld id="{5BA923E7-2888-42AA-97A0-C4E1E0E5A57D}" type="datetimeFigureOut">
               <a:rPr lang="ru-RU" smtClean="0"/>
-              <a:t>03.02.2016</a:t>
+              <a:pPr/>
+              <a:t>04.02.2016</a:t>
             </a:fld>
             <a:endParaRPr lang="ru-RU"/>
           </a:p>
@@ -2743,6 +2774,7 @@
           <a:p>
             <a:fld id="{EB80C6F6-9C5D-4A60-A8BB-1A7A03B4A9DA}" type="slidenum">
               <a:rPr lang="ru-RU" smtClean="0"/>
+              <a:pPr/>
               <a:t>‹#›</a:t>
             </a:fld>
             <a:endParaRPr lang="ru-RU"/>
@@ -3073,7 +3105,7 @@
         </p:nvSpPr>
         <p:spPr>
           <a:xfrm>
-            <a:off x="297200" y="297300"/>
+            <a:off x="654358" y="928670"/>
             <a:ext cx="8489642" cy="990149"/>
           </a:xfrm>
           <a:prstGeom prst="rect">
@@ -3106,7 +3138,7 @@
             <a:r>
               <a:rPr lang="ru-RU" sz="4800" b="1" dirty="0" err="1" smtClean="0">
                 <a:solidFill>
-                  <a:srgbClr val="000000"/>
+                  <a:schemeClr val="bg1"/>
                 </a:solidFill>
                 <a:latin typeface="Arial"/>
                 <a:ea typeface="Arial"/>
@@ -3118,7 +3150,7 @@
             <a:r>
               <a:rPr lang="ru-RU" sz="4800" b="1" dirty="0" smtClean="0">
                 <a:solidFill>
-                  <a:srgbClr val="000000"/>
+                  <a:schemeClr val="bg1"/>
                 </a:solidFill>
                 <a:latin typeface="Arial"/>
                 <a:ea typeface="Arial"/>
@@ -3133,7 +3165,7 @@
                   <a:noFill/>
                 </a:ln>
                 <a:solidFill>
-                  <a:srgbClr val="000000"/>
+                  <a:schemeClr val="bg1"/>
                 </a:solidFill>
                 <a:effectLst/>
                 <a:uLnTx/>
@@ -3151,7 +3183,7 @@
                   <a:noFill/>
                 </a:ln>
                 <a:solidFill>
-                  <a:srgbClr val="000000"/>
+                  <a:schemeClr val="bg1"/>
                 </a:solidFill>
                 <a:effectLst/>
                 <a:uLnTx/>
@@ -3168,7 +3200,7 @@
                 <a:noFill/>
               </a:ln>
               <a:solidFill>
-                <a:srgbClr val="000000"/>
+                <a:schemeClr val="bg1"/>
               </a:solidFill>
               <a:effectLst/>
               <a:uLnTx/>
@@ -3198,7 +3230,7 @@
         </p:blipFill>
         <p:spPr bwMode="auto">
           <a:xfrm>
-            <a:off x="71406" y="1938349"/>
+            <a:off x="71406" y="2152663"/>
             <a:ext cx="3114675" cy="3133725"/>
           </a:xfrm>
           <a:prstGeom prst="rect">
@@ -3244,7 +3276,7 @@
             <a:r>
               <a:rPr lang="en-US" sz="2400" i="1" dirty="0">
                 <a:solidFill>
-                  <a:srgbClr val="000000"/>
+                  <a:schemeClr val="bg1"/>
                 </a:solidFill>
                 <a:latin typeface="Arial"/>
                 <a:ea typeface="Arial"/>
@@ -3256,7 +3288,7 @@
             <a:r>
               <a:rPr lang="en-US" sz="2400" i="1" dirty="0">
                 <a:solidFill>
-                  <a:srgbClr val="000000"/>
+                  <a:schemeClr val="bg1"/>
                 </a:solidFill>
                 <a:latin typeface="arial"/>
                 <a:ea typeface="arial"/>
@@ -3268,7 +3300,7 @@
             <a:r>
               <a:rPr lang="en-US" sz="2400" i="1" dirty="0" smtClean="0">
                 <a:solidFill>
-                  <a:srgbClr val="000000"/>
+                  <a:schemeClr val="bg1"/>
                 </a:solidFill>
                 <a:latin typeface="arial"/>
                 <a:ea typeface="arial"/>
@@ -3279,7 +3311,7 @@
             </a:r>
             <a:endParaRPr lang="en-US" sz="2400" i="1" dirty="0">
               <a:solidFill>
-                <a:srgbClr val="000000"/>
+                <a:schemeClr val="bg1"/>
               </a:solidFill>
               <a:latin typeface="arial"/>
               <a:ea typeface="arial"/>
@@ -3300,7 +3332,7 @@
             <a:r>
               <a:rPr lang="en-US" sz="2400" b="1" i="1" dirty="0" err="1">
                 <a:solidFill>
-                  <a:srgbClr val="000000"/>
+                  <a:schemeClr val="bg1"/>
                 </a:solidFill>
                 <a:latin typeface="arial"/>
                 <a:ea typeface="arial"/>
@@ -3312,7 +3344,7 @@
             <a:r>
               <a:rPr lang="en-US" sz="2400" b="1" i="1" dirty="0">
                 <a:solidFill>
-                  <a:srgbClr val="000000"/>
+                  <a:schemeClr val="bg1"/>
                 </a:solidFill>
                 <a:latin typeface="arial"/>
                 <a:ea typeface="arial"/>
@@ -3324,7 +3356,7 @@
             <a:r>
               <a:rPr lang="en-US" sz="2400" b="1" i="1" dirty="0" err="1">
                 <a:solidFill>
-                  <a:srgbClr val="000000"/>
+                  <a:schemeClr val="bg1"/>
                 </a:solidFill>
                 <a:latin typeface="arial"/>
                 <a:ea typeface="arial"/>
@@ -3336,7 +3368,7 @@
             <a:r>
               <a:rPr lang="en-US" sz="2400" b="1" i="1" dirty="0">
                 <a:solidFill>
-                  <a:srgbClr val="000000"/>
+                  <a:schemeClr val="bg1"/>
                 </a:solidFill>
                 <a:latin typeface="arial"/>
                 <a:ea typeface="arial"/>
@@ -3348,7 +3380,7 @@
             <a:r>
               <a:rPr lang="en-US" sz="2400" b="1" i="1" dirty="0" err="1">
                 <a:solidFill>
-                  <a:srgbClr val="000000"/>
+                  <a:schemeClr val="bg1"/>
                 </a:solidFill>
                 <a:latin typeface="arial"/>
                 <a:ea typeface="arial"/>
@@ -3418,7 +3450,7 @@
                   <a:noFill/>
                 </a:ln>
                 <a:solidFill>
-                  <a:srgbClr val="000000"/>
+                  <a:schemeClr val="bg1"/>
                 </a:solidFill>
                 <a:effectLst/>
                 <a:uLnTx/>
@@ -3436,7 +3468,7 @@
                   <a:noFill/>
                 </a:ln>
                 <a:solidFill>
-                  <a:srgbClr val="000000"/>
+                  <a:schemeClr val="bg1"/>
                 </a:solidFill>
                 <a:effectLst/>
                 <a:uLnTx/>
@@ -3454,7 +3486,7 @@
                   <a:noFill/>
                 </a:ln>
                 <a:solidFill>
-                  <a:srgbClr val="000000"/>
+                  <a:schemeClr val="bg1"/>
                 </a:solidFill>
                 <a:effectLst/>
                 <a:uLnTx/>
@@ -3472,7 +3504,7 @@
                   <a:noFill/>
                 </a:ln>
                 <a:solidFill>
-                  <a:srgbClr val="000000"/>
+                  <a:schemeClr val="bg1"/>
                 </a:solidFill>
                 <a:effectLst/>
                 <a:uLnTx/>
@@ -3490,7 +3522,7 @@
                   <a:noFill/>
                 </a:ln>
                 <a:solidFill>
-                  <a:srgbClr val="000000"/>
+                  <a:schemeClr val="bg1"/>
                 </a:solidFill>
                 <a:effectLst/>
                 <a:uLnTx/>
@@ -3508,7 +3540,7 @@
                   <a:noFill/>
                 </a:ln>
                 <a:solidFill>
-                  <a:srgbClr val="000000"/>
+                  <a:schemeClr val="bg1"/>
                 </a:solidFill>
                 <a:effectLst/>
                 <a:uLnTx/>
@@ -3526,7 +3558,7 @@
                   <a:noFill/>
                 </a:ln>
                 <a:solidFill>
-                  <a:srgbClr val="000000"/>
+                  <a:schemeClr val="bg1"/>
                 </a:solidFill>
                 <a:effectLst/>
                 <a:uLnTx/>
@@ -3544,7 +3576,7 @@
                   <a:noFill/>
                 </a:ln>
                 <a:solidFill>
-                  <a:srgbClr val="000000"/>
+                  <a:schemeClr val="bg1"/>
                 </a:solidFill>
                 <a:effectLst/>
                 <a:uLnTx/>
@@ -3562,7 +3594,7 @@
                   <a:noFill/>
                 </a:ln>
                 <a:solidFill>
-                  <a:srgbClr val="000000"/>
+                  <a:schemeClr val="bg1"/>
                 </a:solidFill>
                 <a:effectLst/>
                 <a:uLnTx/>
@@ -3580,7 +3612,7 @@
                   <a:noFill/>
                 </a:ln>
                 <a:solidFill>
-                  <a:srgbClr val="000000"/>
+                  <a:schemeClr val="bg1"/>
                 </a:solidFill>
                 <a:effectLst/>
                 <a:uLnTx/>
@@ -3617,7 +3649,7 @@
                   <a:noFill/>
                 </a:ln>
                 <a:solidFill>
-                  <a:srgbClr val="000000"/>
+                  <a:schemeClr val="bg1"/>
                 </a:solidFill>
                 <a:effectLst/>
                 <a:uLnTx/>
@@ -3634,7 +3666,7 @@
                 <a:noFill/>
               </a:ln>
               <a:solidFill>
-                <a:srgbClr val="222222"/>
+                <a:schemeClr val="bg1"/>
               </a:solidFill>
               <a:effectLst/>
               <a:uLnTx/>
@@ -3675,13 +3707,13 @@
       </p:pic>
       <p:sp>
         <p:nvSpPr>
-          <p:cNvPr id="16" name="Прямоугольник 15"/>
+          <p:cNvPr id="11" name="Прямоугольник 10"/>
           <p:cNvSpPr/>
           <p:nvPr/>
         </p:nvSpPr>
         <p:spPr>
           <a:xfrm>
-            <a:off x="3500430" y="1714488"/>
+            <a:off x="0" y="0"/>
             <a:ext cx="2565400" cy="801291"/>
           </a:xfrm>
           <a:prstGeom prst="rect">
@@ -3723,7 +3755,7 @@
       </p:sp>
       <p:pic>
         <p:nvPicPr>
-          <p:cNvPr id="17" name="Рисунок 16"/>
+          <p:cNvPr id="15" name="Рисунок 14"/>
           <p:cNvPicPr>
             <a:picLocks noChangeAspect="1"/>
           </p:cNvPicPr>
@@ -3733,7 +3765,7 @@
           <a:blip r:embed="rId5" cstate="print">
             <a:extLst>
               <a:ext uri="{28A0092B-C50C-407E-A947-70E740481C1C}">
-                <a14:useLocalDpi xmlns:a14="http://schemas.microsoft.com/office/drawing/2010/main" xmlns="" val="0"/>
+                <a14:useLocalDpi xmlns="" xmlns:a14="http://schemas.microsoft.com/office/drawing/2010/main" val="0"/>
               </a:ext>
             </a:extLst>
           </a:blip>
@@ -3743,12 +3775,4777 @@
         </p:blipFill>
         <p:spPr>
           <a:xfrm>
-            <a:off x="3614598" y="1765379"/>
+            <a:off x="114168" y="50891"/>
             <a:ext cx="2356667" cy="709289"/>
           </a:xfrm>
           <a:prstGeom prst="rect">
             <a:avLst/>
           </a:prstGeom>
+        </p:spPr>
+      </p:pic>
+    </p:spTree>
+  </p:cSld>
+  <p:clrMapOvr>
+    <a:masterClrMapping/>
+  </p:clrMapOvr>
+</p:sld>
+</file>
+
+<file path=ppt/slides/slide2.xml><?xml version="1.0" encoding="utf-8"?>
+<p:sld xmlns:a="http://schemas.openxmlformats.org/drawingml/2006/main" xmlns:r="http://schemas.openxmlformats.org/officeDocument/2006/relationships" xmlns:p="http://schemas.openxmlformats.org/presentationml/2006/main">
+  <p:cSld>
+    <p:spTree>
+      <p:nvGrpSpPr>
+        <p:cNvPr id="1" name=""/>
+        <p:cNvGrpSpPr/>
+        <p:nvPr/>
+      </p:nvGrpSpPr>
+      <p:grpSpPr>
+        <a:xfrm>
+          <a:off x="0" y="0"/>
+          <a:ext cx="0" cy="0"/>
+          <a:chOff x="0" y="0"/>
+          <a:chExt cx="0" cy="0"/>
+        </a:xfrm>
+      </p:grpSpPr>
+      <p:pic>
+        <p:nvPicPr>
+          <p:cNvPr id="4" name="Shape 84"/>
+          <p:cNvPicPr preferRelativeResize="0"/>
+          <p:nvPr/>
+        </p:nvPicPr>
+        <p:blipFill>
+          <a:blip r:embed="rId2">
+            <a:alphaModFix/>
+          </a:blip>
+          <a:stretch>
+            <a:fillRect/>
+          </a:stretch>
+        </p:blipFill>
+        <p:spPr>
+          <a:xfrm>
+            <a:off x="0" y="0"/>
+            <a:ext cx="9144000" cy="6858000"/>
+          </a:xfrm>
+          <a:prstGeom prst="rect">
+            <a:avLst/>
+          </a:prstGeom>
+          <a:noFill/>
+          <a:ln>
+            <a:noFill/>
+          </a:ln>
+        </p:spPr>
+      </p:pic>
+      <p:pic>
+        <p:nvPicPr>
+          <p:cNvPr id="5" name="Picture 2" descr="C:\Users\Dimon\Desktop\logo.png"/>
+          <p:cNvPicPr>
+            <a:picLocks noChangeAspect="1" noChangeArrowheads="1"/>
+          </p:cNvPicPr>
+          <p:nvPr/>
+        </p:nvPicPr>
+        <p:blipFill>
+          <a:blip r:embed="rId3" cstate="print"/>
+          <a:srcRect/>
+          <a:stretch>
+            <a:fillRect/>
+          </a:stretch>
+        </p:blipFill>
+        <p:spPr bwMode="auto">
+          <a:xfrm>
+            <a:off x="8215306" y="5923626"/>
+            <a:ext cx="928694" cy="934374"/>
+          </a:xfrm>
+          <a:prstGeom prst="rect">
+            <a:avLst/>
+          </a:prstGeom>
+          <a:noFill/>
+        </p:spPr>
+      </p:pic>
+      <p:sp>
+        <p:nvSpPr>
+          <p:cNvPr id="6" name="Прямоугольник 5"/>
+          <p:cNvSpPr/>
+          <p:nvPr/>
+        </p:nvSpPr>
+        <p:spPr>
+          <a:xfrm>
+            <a:off x="0" y="0"/>
+            <a:ext cx="2565400" cy="801291"/>
+          </a:xfrm>
+          <a:prstGeom prst="rect">
+            <a:avLst/>
+          </a:prstGeom>
+          <a:solidFill>
+            <a:schemeClr val="bg1"/>
+          </a:solidFill>
+          <a:ln>
+            <a:solidFill>
+              <a:schemeClr val="bg1"/>
+            </a:solidFill>
+          </a:ln>
+        </p:spPr>
+        <p:style>
+          <a:lnRef idx="2">
+            <a:schemeClr val="accent1">
+              <a:shade val="50000"/>
+            </a:schemeClr>
+          </a:lnRef>
+          <a:fillRef idx="1">
+            <a:schemeClr val="accent1"/>
+          </a:fillRef>
+          <a:effectRef idx="0">
+            <a:schemeClr val="accent1"/>
+          </a:effectRef>
+          <a:fontRef idx="minor">
+            <a:schemeClr val="lt1"/>
+          </a:fontRef>
+        </p:style>
+        <p:txBody>
+          <a:bodyPr rtlCol="0" anchor="ctr"/>
+          <a:lstStyle/>
+          <a:p>
+            <a:pPr algn="ctr"/>
+            <a:endParaRPr lang="ru-RU" sz="1050"/>
+          </a:p>
+        </p:txBody>
+      </p:sp>
+      <p:pic>
+        <p:nvPicPr>
+          <p:cNvPr id="7" name="Рисунок 6"/>
+          <p:cNvPicPr>
+            <a:picLocks noChangeAspect="1"/>
+          </p:cNvPicPr>
+          <p:nvPr/>
+        </p:nvPicPr>
+        <p:blipFill>
+          <a:blip r:embed="rId4" cstate="print">
+            <a:extLst>
+              <a:ext uri="{28A0092B-C50C-407E-A947-70E740481C1C}">
+                <a14:useLocalDpi xmlns="" xmlns:a14="http://schemas.microsoft.com/office/drawing/2010/main" val="0"/>
+              </a:ext>
+            </a:extLst>
+          </a:blip>
+          <a:stretch>
+            <a:fillRect/>
+          </a:stretch>
+        </p:blipFill>
+        <p:spPr>
+          <a:xfrm>
+            <a:off x="114168" y="50891"/>
+            <a:ext cx="2356667" cy="709289"/>
+          </a:xfrm>
+          <a:prstGeom prst="rect">
+            <a:avLst/>
+          </a:prstGeom>
+        </p:spPr>
+      </p:pic>
+      <p:sp>
+        <p:nvSpPr>
+          <p:cNvPr id="8" name="Заголовок 7"/>
+          <p:cNvSpPr>
+            <a:spLocks noGrp="1"/>
+          </p:cNvSpPr>
+          <p:nvPr>
+            <p:ph type="ctrTitle"/>
+          </p:nvPr>
+        </p:nvSpPr>
+        <p:spPr>
+          <a:xfrm>
+            <a:off x="642910" y="357166"/>
+            <a:ext cx="7772400" cy="1457334"/>
+          </a:xfrm>
+        </p:spPr>
+        <p:txBody>
+          <a:bodyPr>
+            <a:normAutofit fontScale="90000"/>
+          </a:bodyPr>
+          <a:lstStyle/>
+          <a:p>
+            <a:r>
+              <a:rPr lang="ru-RU" sz="4000" b="1" dirty="0" err="1" smtClean="0">
+                <a:solidFill>
+                  <a:schemeClr val="bg1"/>
+                </a:solidFill>
+              </a:rPr>
+              <a:t>Обхід</a:t>
+            </a:r>
+            <a:r>
+              <a:rPr lang="ru-RU" sz="4000" b="1" dirty="0" smtClean="0">
+                <a:solidFill>
+                  <a:schemeClr val="bg1"/>
+                </a:solidFill>
+              </a:rPr>
+              <a:t> дерева </a:t>
+            </a:r>
+            <a:br>
+              <a:rPr lang="ru-RU" sz="4000" b="1" dirty="0" smtClean="0">
+                <a:solidFill>
+                  <a:schemeClr val="bg1"/>
+                </a:solidFill>
+              </a:rPr>
+            </a:br>
+            <a:r>
+              <a:rPr lang="ru-RU" sz="4000" b="1" dirty="0" smtClean="0">
+                <a:solidFill>
+                  <a:schemeClr val="bg1"/>
+                </a:solidFill>
+              </a:rPr>
+              <a:t>(</a:t>
+            </a:r>
+            <a:r>
+              <a:rPr lang="ru-RU" sz="4000" b="1" dirty="0" err="1" smtClean="0">
+                <a:solidFill>
+                  <a:schemeClr val="bg1"/>
+                </a:solidFill>
+              </a:rPr>
+              <a:t>прямий</a:t>
+            </a:r>
+            <a:r>
+              <a:rPr lang="ru-RU" sz="4000" b="1" dirty="0" smtClean="0">
+                <a:solidFill>
+                  <a:schemeClr val="bg1"/>
+                </a:solidFill>
+              </a:rPr>
+              <a:t>, </a:t>
+            </a:r>
+            <a:r>
+              <a:rPr lang="ru-RU" sz="4000" b="1" dirty="0" err="1" smtClean="0">
+                <a:solidFill>
+                  <a:schemeClr val="bg1"/>
+                </a:solidFill>
+              </a:rPr>
+              <a:t>симетричний</a:t>
+            </a:r>
+            <a:r>
+              <a:rPr lang="ru-RU" sz="4000" b="1" dirty="0" smtClean="0">
+                <a:solidFill>
+                  <a:schemeClr val="bg1"/>
+                </a:solidFill>
+              </a:rPr>
+              <a:t>, </a:t>
+            </a:r>
+            <a:r>
+              <a:rPr lang="ru-RU" sz="4000" b="1" dirty="0" err="1" smtClean="0">
+                <a:solidFill>
+                  <a:schemeClr val="bg1"/>
+                </a:solidFill>
+              </a:rPr>
+              <a:t>зворотній</a:t>
+            </a:r>
+            <a:r>
+              <a:rPr lang="ru-RU" sz="4000" b="1" dirty="0" smtClean="0">
+                <a:solidFill>
+                  <a:schemeClr val="bg1"/>
+                </a:solidFill>
+              </a:rPr>
+              <a:t>)</a:t>
+            </a:r>
+            <a:endParaRPr lang="ru-RU" sz="4000" b="1" dirty="0">
+              <a:solidFill>
+                <a:schemeClr val="bg1"/>
+              </a:solidFill>
+            </a:endParaRPr>
+          </a:p>
+        </p:txBody>
+      </p:sp>
+      <p:sp>
+        <p:nvSpPr>
+          <p:cNvPr id="9" name="Подзаголовок 8"/>
+          <p:cNvSpPr>
+            <a:spLocks noGrp="1"/>
+          </p:cNvSpPr>
+          <p:nvPr>
+            <p:ph type="subTitle" idx="1"/>
+          </p:nvPr>
+        </p:nvSpPr>
+        <p:spPr>
+          <a:xfrm>
+            <a:off x="0" y="1785926"/>
+            <a:ext cx="9144000" cy="4357694"/>
+          </a:xfrm>
+        </p:spPr>
+        <p:txBody>
+          <a:bodyPr>
+            <a:normAutofit/>
+          </a:bodyPr>
+          <a:lstStyle/>
+          <a:p>
+            <a:r>
+              <a:rPr lang="uk-UA" dirty="0" smtClean="0">
+                <a:solidFill>
+                  <a:schemeClr val="bg1"/>
+                </a:solidFill>
+              </a:rPr>
+              <a:t>Вареник Ілля</a:t>
+            </a:r>
+          </a:p>
+          <a:p>
+            <a:r>
+              <a:rPr lang="uk-UA" dirty="0" err="1" smtClean="0">
+                <a:solidFill>
+                  <a:schemeClr val="bg1"/>
+                </a:solidFill>
+              </a:rPr>
+              <a:t>Василистов</a:t>
+            </a:r>
+            <a:r>
+              <a:rPr lang="uk-UA" dirty="0" smtClean="0">
+                <a:solidFill>
+                  <a:schemeClr val="bg1"/>
+                </a:solidFill>
+              </a:rPr>
+              <a:t> Олександр</a:t>
+            </a:r>
+          </a:p>
+          <a:p>
+            <a:r>
+              <a:rPr lang="uk-UA" dirty="0" err="1" smtClean="0">
+                <a:solidFill>
+                  <a:schemeClr val="bg1"/>
+                </a:solidFill>
+              </a:rPr>
+              <a:t>Грибовський</a:t>
+            </a:r>
+            <a:r>
+              <a:rPr lang="uk-UA" dirty="0" smtClean="0">
+                <a:solidFill>
+                  <a:schemeClr val="bg1"/>
+                </a:solidFill>
+              </a:rPr>
+              <a:t> Олег</a:t>
+            </a:r>
+          </a:p>
+          <a:p>
+            <a:r>
+              <a:rPr lang="uk-UA" dirty="0" err="1" smtClean="0">
+                <a:solidFill>
+                  <a:schemeClr val="bg1"/>
+                </a:solidFill>
+              </a:rPr>
+              <a:t>Гудзуляк</a:t>
+            </a:r>
+            <a:r>
+              <a:rPr lang="uk-UA" dirty="0" smtClean="0">
+                <a:solidFill>
+                  <a:schemeClr val="bg1"/>
+                </a:solidFill>
+              </a:rPr>
+              <a:t> Богдан</a:t>
+            </a:r>
+          </a:p>
+          <a:p>
+            <a:r>
+              <a:rPr lang="uk-UA" dirty="0" err="1" smtClean="0">
+                <a:solidFill>
+                  <a:schemeClr val="bg1"/>
+                </a:solidFill>
+              </a:rPr>
+              <a:t>Кошмарик</a:t>
+            </a:r>
+            <a:r>
+              <a:rPr lang="uk-UA" dirty="0" smtClean="0">
+                <a:solidFill>
+                  <a:schemeClr val="bg1"/>
+                </a:solidFill>
+              </a:rPr>
+              <a:t> Євген</a:t>
+            </a:r>
+          </a:p>
+          <a:p>
+            <a:r>
+              <a:rPr lang="uk-UA" dirty="0" smtClean="0">
+                <a:solidFill>
+                  <a:schemeClr val="bg1"/>
+                </a:solidFill>
+              </a:rPr>
+              <a:t>Підгірний Іван</a:t>
+            </a:r>
+          </a:p>
+          <a:p>
+            <a:r>
+              <a:rPr lang="uk-UA" dirty="0" err="1" smtClean="0">
+                <a:solidFill>
+                  <a:schemeClr val="bg1"/>
+                </a:solidFill>
+              </a:rPr>
+              <a:t>Пясецький</a:t>
+            </a:r>
+            <a:r>
+              <a:rPr lang="uk-UA" dirty="0" smtClean="0">
+                <a:solidFill>
+                  <a:schemeClr val="bg1"/>
+                </a:solidFill>
+              </a:rPr>
+              <a:t> Дмитро</a:t>
+            </a:r>
+            <a:endParaRPr lang="ru-RU" dirty="0">
+              <a:solidFill>
+                <a:schemeClr val="bg1"/>
+              </a:solidFill>
+            </a:endParaRPr>
+          </a:p>
+        </p:txBody>
+      </p:sp>
+    </p:spTree>
+  </p:cSld>
+  <p:clrMapOvr>
+    <a:masterClrMapping/>
+  </p:clrMapOvr>
+</p:sld>
+</file>
+
+<file path=ppt/slides/slide3.xml><?xml version="1.0" encoding="utf-8"?>
+<p:sld xmlns:a="http://schemas.openxmlformats.org/drawingml/2006/main" xmlns:r="http://schemas.openxmlformats.org/officeDocument/2006/relationships" xmlns:p="http://schemas.openxmlformats.org/presentationml/2006/main">
+  <p:cSld>
+    <p:spTree>
+      <p:nvGrpSpPr>
+        <p:cNvPr id="1" name=""/>
+        <p:cNvGrpSpPr/>
+        <p:nvPr/>
+      </p:nvGrpSpPr>
+      <p:grpSpPr>
+        <a:xfrm>
+          <a:off x="0" y="0"/>
+          <a:ext cx="0" cy="0"/>
+          <a:chOff x="0" y="0"/>
+          <a:chExt cx="0" cy="0"/>
+        </a:xfrm>
+      </p:grpSpPr>
+      <p:pic>
+        <p:nvPicPr>
+          <p:cNvPr id="4" name="Shape 84"/>
+          <p:cNvPicPr preferRelativeResize="0"/>
+          <p:nvPr/>
+        </p:nvPicPr>
+        <p:blipFill>
+          <a:blip r:embed="rId2">
+            <a:alphaModFix/>
+          </a:blip>
+          <a:stretch>
+            <a:fillRect/>
+          </a:stretch>
+        </p:blipFill>
+        <p:spPr>
+          <a:xfrm>
+            <a:off x="0" y="0"/>
+            <a:ext cx="9144000" cy="6858000"/>
+          </a:xfrm>
+          <a:prstGeom prst="rect">
+            <a:avLst/>
+          </a:prstGeom>
+          <a:noFill/>
+          <a:ln>
+            <a:noFill/>
+          </a:ln>
+        </p:spPr>
+      </p:pic>
+      <p:pic>
+        <p:nvPicPr>
+          <p:cNvPr id="5" name="Picture 2" descr="C:\Users\Dimon\Desktop\logo.png"/>
+          <p:cNvPicPr>
+            <a:picLocks noChangeAspect="1" noChangeArrowheads="1"/>
+          </p:cNvPicPr>
+          <p:nvPr/>
+        </p:nvPicPr>
+        <p:blipFill>
+          <a:blip r:embed="rId3" cstate="print"/>
+          <a:srcRect/>
+          <a:stretch>
+            <a:fillRect/>
+          </a:stretch>
+        </p:blipFill>
+        <p:spPr bwMode="auto">
+          <a:xfrm>
+            <a:off x="8215306" y="5923626"/>
+            <a:ext cx="928694" cy="934374"/>
+          </a:xfrm>
+          <a:prstGeom prst="rect">
+            <a:avLst/>
+          </a:prstGeom>
+          <a:noFill/>
+        </p:spPr>
+      </p:pic>
+      <p:sp>
+        <p:nvSpPr>
+          <p:cNvPr id="6" name="Прямоугольник 5"/>
+          <p:cNvSpPr/>
+          <p:nvPr/>
+        </p:nvSpPr>
+        <p:spPr>
+          <a:xfrm>
+            <a:off x="0" y="0"/>
+            <a:ext cx="2565400" cy="801291"/>
+          </a:xfrm>
+          <a:prstGeom prst="rect">
+            <a:avLst/>
+          </a:prstGeom>
+          <a:solidFill>
+            <a:schemeClr val="bg1"/>
+          </a:solidFill>
+          <a:ln>
+            <a:solidFill>
+              <a:schemeClr val="bg1"/>
+            </a:solidFill>
+          </a:ln>
+        </p:spPr>
+        <p:style>
+          <a:lnRef idx="2">
+            <a:schemeClr val="accent1">
+              <a:shade val="50000"/>
+            </a:schemeClr>
+          </a:lnRef>
+          <a:fillRef idx="1">
+            <a:schemeClr val="accent1"/>
+          </a:fillRef>
+          <a:effectRef idx="0">
+            <a:schemeClr val="accent1"/>
+          </a:effectRef>
+          <a:fontRef idx="minor">
+            <a:schemeClr val="lt1"/>
+          </a:fontRef>
+        </p:style>
+        <p:txBody>
+          <a:bodyPr rtlCol="0" anchor="ctr"/>
+          <a:lstStyle/>
+          <a:p>
+            <a:pPr algn="ctr"/>
+            <a:endParaRPr lang="ru-RU" sz="1050"/>
+          </a:p>
+        </p:txBody>
+      </p:sp>
+      <p:pic>
+        <p:nvPicPr>
+          <p:cNvPr id="7" name="Рисунок 6"/>
+          <p:cNvPicPr>
+            <a:picLocks noChangeAspect="1"/>
+          </p:cNvPicPr>
+          <p:nvPr/>
+        </p:nvPicPr>
+        <p:blipFill>
+          <a:blip r:embed="rId4" cstate="print">
+            <a:extLst>
+              <a:ext uri="{28A0092B-C50C-407E-A947-70E740481C1C}">
+                <a14:useLocalDpi xmlns="" xmlns:a14="http://schemas.microsoft.com/office/drawing/2010/main" val="0"/>
+              </a:ext>
+            </a:extLst>
+          </a:blip>
+          <a:stretch>
+            <a:fillRect/>
+          </a:stretch>
+        </p:blipFill>
+        <p:spPr>
+          <a:xfrm>
+            <a:off x="114168" y="50891"/>
+            <a:ext cx="2356667" cy="709289"/>
+          </a:xfrm>
+          <a:prstGeom prst="rect">
+            <a:avLst/>
+          </a:prstGeom>
+        </p:spPr>
+      </p:pic>
+      <p:sp>
+        <p:nvSpPr>
+          <p:cNvPr id="8" name="Заголовок 7"/>
+          <p:cNvSpPr>
+            <a:spLocks noGrp="1"/>
+          </p:cNvSpPr>
+          <p:nvPr>
+            <p:ph type="title"/>
+          </p:nvPr>
+        </p:nvSpPr>
+        <p:spPr>
+          <a:xfrm>
+            <a:off x="2571736" y="142852"/>
+            <a:ext cx="6572264" cy="703282"/>
+          </a:xfrm>
+        </p:spPr>
+        <p:txBody>
+          <a:bodyPr>
+            <a:normAutofit fontScale="90000"/>
+          </a:bodyPr>
+          <a:lstStyle/>
+          <a:p>
+            <a:r>
+              <a:rPr lang="uk-UA" b="1" dirty="0" smtClean="0">
+                <a:solidFill>
+                  <a:schemeClr val="bg1"/>
+                </a:solidFill>
+              </a:rPr>
+              <a:t>Що таке </a:t>
+            </a:r>
+            <a:r>
+              <a:rPr lang="uk-UA" b="1" dirty="0" err="1" smtClean="0">
+                <a:solidFill>
+                  <a:schemeClr val="bg1"/>
+                </a:solidFill>
+              </a:rPr>
+              <a:t>“бінарне</a:t>
+            </a:r>
+            <a:r>
+              <a:rPr lang="uk-UA" b="1" dirty="0" smtClean="0">
+                <a:solidFill>
+                  <a:schemeClr val="bg1"/>
+                </a:solidFill>
+              </a:rPr>
+              <a:t> </a:t>
+            </a:r>
+            <a:r>
+              <a:rPr lang="uk-UA" b="1" dirty="0" err="1" smtClean="0">
+                <a:solidFill>
+                  <a:schemeClr val="bg1"/>
+                </a:solidFill>
+              </a:rPr>
+              <a:t>дерево”</a:t>
+            </a:r>
+            <a:r>
+              <a:rPr lang="uk-UA" b="1" dirty="0" smtClean="0">
+                <a:solidFill>
+                  <a:schemeClr val="bg1"/>
+                </a:solidFill>
+              </a:rPr>
+              <a:t>?</a:t>
+            </a:r>
+            <a:endParaRPr lang="ru-RU" b="1" dirty="0">
+              <a:solidFill>
+                <a:schemeClr val="bg1"/>
+              </a:solidFill>
+            </a:endParaRPr>
+          </a:p>
+        </p:txBody>
+      </p:sp>
+      <p:sp>
+        <p:nvSpPr>
+          <p:cNvPr id="9" name="Содержимое 8"/>
+          <p:cNvSpPr>
+            <a:spLocks noGrp="1"/>
+          </p:cNvSpPr>
+          <p:nvPr>
+            <p:ph idx="1"/>
+          </p:nvPr>
+        </p:nvSpPr>
+        <p:spPr>
+          <a:xfrm>
+            <a:off x="0" y="857233"/>
+            <a:ext cx="9144000" cy="1714511"/>
+          </a:xfrm>
+        </p:spPr>
+        <p:txBody>
+          <a:bodyPr>
+            <a:normAutofit fontScale="92500"/>
+          </a:bodyPr>
+          <a:lstStyle/>
+          <a:p>
+            <a:pPr>
+              <a:buNone/>
+            </a:pPr>
+            <a:r>
+              <a:rPr lang="ru-RU" b="1" dirty="0" err="1" smtClean="0">
+                <a:solidFill>
+                  <a:schemeClr val="bg1"/>
+                </a:solidFill>
+              </a:rPr>
+              <a:t>Бінарне</a:t>
+            </a:r>
+            <a:r>
+              <a:rPr lang="ru-RU" b="1" dirty="0" smtClean="0">
+                <a:solidFill>
+                  <a:schemeClr val="bg1"/>
+                </a:solidFill>
+              </a:rPr>
+              <a:t> </a:t>
+            </a:r>
+            <a:r>
+              <a:rPr lang="ru-RU" b="1" dirty="0" smtClean="0">
+                <a:solidFill>
+                  <a:schemeClr val="bg1"/>
+                </a:solidFill>
+              </a:rPr>
+              <a:t>дерево</a:t>
+            </a:r>
+            <a:r>
+              <a:rPr lang="ru-RU" dirty="0" smtClean="0">
+                <a:solidFill>
+                  <a:schemeClr val="bg1"/>
+                </a:solidFill>
+              </a:rPr>
+              <a:t> — </a:t>
+            </a:r>
+            <a:r>
+              <a:rPr lang="ru-RU" dirty="0" smtClean="0">
+                <a:solidFill>
+                  <a:schemeClr val="bg1"/>
+                </a:solidFill>
+              </a:rPr>
+              <a:t>структура </a:t>
+            </a:r>
+            <a:r>
+              <a:rPr lang="ru-RU" dirty="0" err="1" smtClean="0">
+                <a:solidFill>
+                  <a:schemeClr val="bg1"/>
+                </a:solidFill>
+              </a:rPr>
+              <a:t>даних</a:t>
+            </a:r>
+            <a:r>
+              <a:rPr lang="ru-RU" dirty="0" smtClean="0">
+                <a:solidFill>
+                  <a:schemeClr val="bg1"/>
+                </a:solidFill>
+              </a:rPr>
+              <a:t> </a:t>
+            </a:r>
+            <a:r>
+              <a:rPr lang="ru-RU" dirty="0" smtClean="0">
+                <a:solidFill>
+                  <a:schemeClr val="bg1"/>
+                </a:solidFill>
+              </a:rPr>
+              <a:t>у </a:t>
+            </a:r>
+            <a:r>
+              <a:rPr lang="ru-RU" dirty="0" err="1" smtClean="0">
+                <a:solidFill>
+                  <a:schemeClr val="bg1"/>
+                </a:solidFill>
+              </a:rPr>
+              <a:t>вигляді</a:t>
+            </a:r>
+            <a:r>
+              <a:rPr lang="ru-RU" dirty="0" smtClean="0">
+                <a:solidFill>
+                  <a:schemeClr val="bg1"/>
+                </a:solidFill>
+              </a:rPr>
+              <a:t> </a:t>
+            </a:r>
+            <a:r>
+              <a:rPr lang="ru-RU" dirty="0" smtClean="0">
+                <a:solidFill>
+                  <a:schemeClr val="bg1"/>
+                </a:solidFill>
+              </a:rPr>
+              <a:t>дерева, </a:t>
+            </a:r>
+            <a:r>
+              <a:rPr lang="ru-RU" dirty="0" smtClean="0">
+                <a:solidFill>
+                  <a:schemeClr val="bg1"/>
+                </a:solidFill>
+              </a:rPr>
+              <a:t>в </a:t>
+            </a:r>
+            <a:r>
+              <a:rPr lang="ru-RU" dirty="0" err="1" smtClean="0">
+                <a:solidFill>
+                  <a:schemeClr val="bg1"/>
+                </a:solidFill>
+              </a:rPr>
+              <a:t>якому</a:t>
+            </a:r>
+            <a:r>
+              <a:rPr lang="ru-RU" dirty="0" smtClean="0">
+                <a:solidFill>
+                  <a:schemeClr val="bg1"/>
+                </a:solidFill>
+              </a:rPr>
+              <a:t> </a:t>
+            </a:r>
+            <a:r>
+              <a:rPr lang="ru-RU" dirty="0" err="1" smtClean="0">
+                <a:solidFill>
+                  <a:schemeClr val="bg1"/>
+                </a:solidFill>
+              </a:rPr>
+              <a:t>кожна</a:t>
+            </a:r>
+            <a:r>
+              <a:rPr lang="ru-RU" dirty="0" smtClean="0">
+                <a:solidFill>
+                  <a:schemeClr val="bg1"/>
+                </a:solidFill>
+              </a:rPr>
+              <a:t> вершина </a:t>
+            </a:r>
+            <a:r>
+              <a:rPr lang="ru-RU" dirty="0" err="1" smtClean="0">
+                <a:solidFill>
+                  <a:schemeClr val="bg1"/>
+                </a:solidFill>
+              </a:rPr>
+              <a:t>має</a:t>
+            </a:r>
+            <a:r>
+              <a:rPr lang="ru-RU" dirty="0" smtClean="0">
+                <a:solidFill>
+                  <a:schemeClr val="bg1"/>
+                </a:solidFill>
+              </a:rPr>
+              <a:t> не </a:t>
+            </a:r>
+            <a:r>
+              <a:rPr lang="ru-RU" dirty="0" err="1" smtClean="0">
+                <a:solidFill>
+                  <a:schemeClr val="bg1"/>
+                </a:solidFill>
+              </a:rPr>
+              <a:t>більше</a:t>
+            </a:r>
+            <a:r>
+              <a:rPr lang="ru-RU" dirty="0" smtClean="0">
+                <a:solidFill>
+                  <a:schemeClr val="bg1"/>
+                </a:solidFill>
+              </a:rPr>
+              <a:t> </a:t>
+            </a:r>
+            <a:r>
+              <a:rPr lang="ru-RU" dirty="0" err="1" smtClean="0">
+                <a:solidFill>
+                  <a:schemeClr val="bg1"/>
+                </a:solidFill>
+              </a:rPr>
+              <a:t>двох</a:t>
+            </a:r>
+            <a:r>
+              <a:rPr lang="ru-RU" dirty="0" smtClean="0">
+                <a:solidFill>
+                  <a:schemeClr val="bg1"/>
+                </a:solidFill>
+              </a:rPr>
+              <a:t> </a:t>
+            </a:r>
+            <a:r>
+              <a:rPr lang="ru-RU" dirty="0" err="1" smtClean="0">
+                <a:solidFill>
+                  <a:schemeClr val="bg1"/>
+                </a:solidFill>
+              </a:rPr>
+              <a:t>дітей</a:t>
+            </a:r>
+            <a:r>
+              <a:rPr lang="ru-RU" dirty="0" smtClean="0">
+                <a:solidFill>
+                  <a:schemeClr val="bg1"/>
+                </a:solidFill>
+              </a:rPr>
+              <a:t>. </a:t>
+            </a:r>
+            <a:r>
+              <a:rPr lang="ru-RU" dirty="0" err="1" smtClean="0">
+                <a:solidFill>
+                  <a:schemeClr val="bg1"/>
+                </a:solidFill>
+              </a:rPr>
+              <a:t>Зазвичай</a:t>
+            </a:r>
+            <a:r>
+              <a:rPr lang="ru-RU" dirty="0" smtClean="0">
+                <a:solidFill>
+                  <a:schemeClr val="bg1"/>
+                </a:solidFill>
+              </a:rPr>
+              <a:t> </a:t>
+            </a:r>
+            <a:r>
+              <a:rPr lang="ru-RU" dirty="0" err="1" smtClean="0">
+                <a:solidFill>
+                  <a:schemeClr val="bg1"/>
+                </a:solidFill>
+              </a:rPr>
+              <a:t>такі</a:t>
+            </a:r>
+            <a:r>
+              <a:rPr lang="ru-RU" dirty="0" smtClean="0">
+                <a:solidFill>
+                  <a:schemeClr val="bg1"/>
+                </a:solidFill>
+              </a:rPr>
+              <a:t> </a:t>
+            </a:r>
+            <a:r>
+              <a:rPr lang="ru-RU" dirty="0" err="1" smtClean="0">
+                <a:solidFill>
+                  <a:schemeClr val="bg1"/>
+                </a:solidFill>
+              </a:rPr>
+              <a:t>діти</a:t>
+            </a:r>
+            <a:r>
+              <a:rPr lang="ru-RU" dirty="0" smtClean="0">
+                <a:solidFill>
+                  <a:schemeClr val="bg1"/>
+                </a:solidFill>
+              </a:rPr>
+              <a:t> </a:t>
+            </a:r>
+            <a:r>
+              <a:rPr lang="ru-RU" dirty="0" err="1" smtClean="0">
+                <a:solidFill>
+                  <a:schemeClr val="bg1"/>
+                </a:solidFill>
+              </a:rPr>
+              <a:t>називаються</a:t>
+            </a:r>
+            <a:r>
+              <a:rPr lang="ru-RU" dirty="0" smtClean="0">
+                <a:solidFill>
+                  <a:schemeClr val="bg1"/>
+                </a:solidFill>
+              </a:rPr>
+              <a:t> правим та </a:t>
+            </a:r>
+            <a:r>
+              <a:rPr lang="ru-RU" dirty="0" err="1" smtClean="0">
+                <a:solidFill>
+                  <a:schemeClr val="bg1"/>
+                </a:solidFill>
+              </a:rPr>
+              <a:t>лівим</a:t>
+            </a:r>
+            <a:r>
+              <a:rPr lang="ru-RU" dirty="0" smtClean="0">
+                <a:solidFill>
+                  <a:schemeClr val="bg1"/>
+                </a:solidFill>
+              </a:rPr>
+              <a:t>. </a:t>
+            </a:r>
+            <a:endParaRPr lang="ru-RU" dirty="0">
+              <a:solidFill>
+                <a:schemeClr val="bg1"/>
+              </a:solidFill>
+            </a:endParaRPr>
+          </a:p>
+        </p:txBody>
+      </p:sp>
+      <p:pic>
+        <p:nvPicPr>
+          <p:cNvPr id="3076" name="Picture 4" descr="C:\Users\Dimon\Desktop\1-1.png"/>
+          <p:cNvPicPr>
+            <a:picLocks noChangeAspect="1" noChangeArrowheads="1"/>
+          </p:cNvPicPr>
+          <p:nvPr/>
+        </p:nvPicPr>
+        <p:blipFill>
+          <a:blip r:embed="rId5"/>
+          <a:srcRect/>
+          <a:stretch>
+            <a:fillRect/>
+          </a:stretch>
+        </p:blipFill>
+        <p:spPr bwMode="auto">
+          <a:xfrm>
+            <a:off x="1357290" y="3000372"/>
+            <a:ext cx="6124575" cy="3362325"/>
+          </a:xfrm>
+          <a:prstGeom prst="rect">
+            <a:avLst/>
+          </a:prstGeom>
+          <a:noFill/>
+        </p:spPr>
+      </p:pic>
+    </p:spTree>
+  </p:cSld>
+  <p:clrMapOvr>
+    <a:masterClrMapping/>
+  </p:clrMapOvr>
+</p:sld>
+</file>
+
+<file path=ppt/slides/slide4.xml><?xml version="1.0" encoding="utf-8"?>
+<p:sld xmlns:a="http://schemas.openxmlformats.org/drawingml/2006/main" xmlns:r="http://schemas.openxmlformats.org/officeDocument/2006/relationships" xmlns:p="http://schemas.openxmlformats.org/presentationml/2006/main">
+  <p:cSld>
+    <p:spTree>
+      <p:nvGrpSpPr>
+        <p:cNvPr id="1" name=""/>
+        <p:cNvGrpSpPr/>
+        <p:nvPr/>
+      </p:nvGrpSpPr>
+      <p:grpSpPr>
+        <a:xfrm>
+          <a:off x="0" y="0"/>
+          <a:ext cx="0" cy="0"/>
+          <a:chOff x="0" y="0"/>
+          <a:chExt cx="0" cy="0"/>
+        </a:xfrm>
+      </p:grpSpPr>
+      <p:pic>
+        <p:nvPicPr>
+          <p:cNvPr id="4" name="Shape 84"/>
+          <p:cNvPicPr preferRelativeResize="0"/>
+          <p:nvPr/>
+        </p:nvPicPr>
+        <p:blipFill>
+          <a:blip r:embed="rId2">
+            <a:alphaModFix/>
+          </a:blip>
+          <a:stretch>
+            <a:fillRect/>
+          </a:stretch>
+        </p:blipFill>
+        <p:spPr>
+          <a:xfrm>
+            <a:off x="-32" y="0"/>
+            <a:ext cx="9144000" cy="6858000"/>
+          </a:xfrm>
+          <a:prstGeom prst="rect">
+            <a:avLst/>
+          </a:prstGeom>
+          <a:noFill/>
+          <a:ln>
+            <a:noFill/>
+          </a:ln>
+        </p:spPr>
+      </p:pic>
+      <p:pic>
+        <p:nvPicPr>
+          <p:cNvPr id="5" name="Picture 2" descr="C:\Users\Dimon\Desktop\logo.png"/>
+          <p:cNvPicPr>
+            <a:picLocks noChangeAspect="1" noChangeArrowheads="1"/>
+          </p:cNvPicPr>
+          <p:nvPr/>
+        </p:nvPicPr>
+        <p:blipFill>
+          <a:blip r:embed="rId3" cstate="print"/>
+          <a:srcRect/>
+          <a:stretch>
+            <a:fillRect/>
+          </a:stretch>
+        </p:blipFill>
+        <p:spPr bwMode="auto">
+          <a:xfrm>
+            <a:off x="8215306" y="5923626"/>
+            <a:ext cx="928694" cy="934374"/>
+          </a:xfrm>
+          <a:prstGeom prst="rect">
+            <a:avLst/>
+          </a:prstGeom>
+          <a:noFill/>
+        </p:spPr>
+      </p:pic>
+      <p:sp>
+        <p:nvSpPr>
+          <p:cNvPr id="6" name="Прямоугольник 5"/>
+          <p:cNvSpPr/>
+          <p:nvPr/>
+        </p:nvSpPr>
+        <p:spPr>
+          <a:xfrm>
+            <a:off x="0" y="0"/>
+            <a:ext cx="2565400" cy="801291"/>
+          </a:xfrm>
+          <a:prstGeom prst="rect">
+            <a:avLst/>
+          </a:prstGeom>
+          <a:solidFill>
+            <a:schemeClr val="bg1"/>
+          </a:solidFill>
+          <a:ln>
+            <a:solidFill>
+              <a:schemeClr val="bg1"/>
+            </a:solidFill>
+          </a:ln>
+        </p:spPr>
+        <p:style>
+          <a:lnRef idx="2">
+            <a:schemeClr val="accent1">
+              <a:shade val="50000"/>
+            </a:schemeClr>
+          </a:lnRef>
+          <a:fillRef idx="1">
+            <a:schemeClr val="accent1"/>
+          </a:fillRef>
+          <a:effectRef idx="0">
+            <a:schemeClr val="accent1"/>
+          </a:effectRef>
+          <a:fontRef idx="minor">
+            <a:schemeClr val="lt1"/>
+          </a:fontRef>
+        </p:style>
+        <p:txBody>
+          <a:bodyPr rtlCol="0" anchor="ctr"/>
+          <a:lstStyle/>
+          <a:p>
+            <a:pPr algn="ctr"/>
+            <a:endParaRPr lang="ru-RU" sz="1050"/>
+          </a:p>
+        </p:txBody>
+      </p:sp>
+      <p:pic>
+        <p:nvPicPr>
+          <p:cNvPr id="7" name="Рисунок 6"/>
+          <p:cNvPicPr>
+            <a:picLocks noChangeAspect="1"/>
+          </p:cNvPicPr>
+          <p:nvPr/>
+        </p:nvPicPr>
+        <p:blipFill>
+          <a:blip r:embed="rId4" cstate="print">
+            <a:extLst>
+              <a:ext uri="{28A0092B-C50C-407E-A947-70E740481C1C}">
+                <a14:useLocalDpi xmlns="" xmlns:a14="http://schemas.microsoft.com/office/drawing/2010/main" val="0"/>
+              </a:ext>
+            </a:extLst>
+          </a:blip>
+          <a:stretch>
+            <a:fillRect/>
+          </a:stretch>
+        </p:blipFill>
+        <p:spPr>
+          <a:xfrm>
+            <a:off x="114168" y="50891"/>
+            <a:ext cx="2356667" cy="709289"/>
+          </a:xfrm>
+          <a:prstGeom prst="rect">
+            <a:avLst/>
+          </a:prstGeom>
+        </p:spPr>
+      </p:pic>
+      <p:sp>
+        <p:nvSpPr>
+          <p:cNvPr id="8" name="Заголовок 7"/>
+          <p:cNvSpPr>
+            <a:spLocks noGrp="1"/>
+          </p:cNvSpPr>
+          <p:nvPr>
+            <p:ph type="title"/>
+          </p:nvPr>
+        </p:nvSpPr>
+        <p:spPr>
+          <a:xfrm>
+            <a:off x="2643174" y="71438"/>
+            <a:ext cx="6357982" cy="714356"/>
+          </a:xfrm>
+        </p:spPr>
+        <p:txBody>
+          <a:bodyPr>
+            <a:normAutofit fontScale="90000"/>
+          </a:bodyPr>
+          <a:lstStyle/>
+          <a:p>
+            <a:r>
+              <a:rPr lang="uk-UA" b="1" dirty="0" smtClean="0">
+                <a:solidFill>
+                  <a:schemeClr val="bg1"/>
+                </a:solidFill>
+              </a:rPr>
+              <a:t>Обхід бінарного дерева</a:t>
+            </a:r>
+            <a:endParaRPr lang="ru-RU" b="1" dirty="0">
+              <a:solidFill>
+                <a:schemeClr val="bg1"/>
+              </a:solidFill>
+            </a:endParaRPr>
+          </a:p>
+        </p:txBody>
+      </p:sp>
+      <p:sp>
+        <p:nvSpPr>
+          <p:cNvPr id="9" name="Содержимое 8"/>
+          <p:cNvSpPr>
+            <a:spLocks noGrp="1"/>
+          </p:cNvSpPr>
+          <p:nvPr>
+            <p:ph idx="1"/>
+          </p:nvPr>
+        </p:nvSpPr>
+        <p:spPr>
+          <a:xfrm>
+            <a:off x="0" y="857233"/>
+            <a:ext cx="9144000" cy="1571636"/>
+          </a:xfrm>
+        </p:spPr>
+        <p:txBody>
+          <a:bodyPr>
+            <a:normAutofit fontScale="85000" lnSpcReduction="20000"/>
+          </a:bodyPr>
+          <a:lstStyle/>
+          <a:p>
+            <a:pPr>
+              <a:buNone/>
+            </a:pPr>
+            <a:r>
+              <a:rPr lang="ru-RU" b="1" dirty="0" err="1" smtClean="0">
+                <a:solidFill>
+                  <a:schemeClr val="bg1"/>
+                </a:solidFill>
+              </a:rPr>
+              <a:t>Обхід</a:t>
+            </a:r>
+            <a:r>
+              <a:rPr lang="ru-RU" b="1" dirty="0" smtClean="0">
+                <a:solidFill>
+                  <a:schemeClr val="bg1"/>
+                </a:solidFill>
+              </a:rPr>
+              <a:t> </a:t>
+            </a:r>
+            <a:r>
+              <a:rPr lang="ru-RU" b="1" dirty="0" err="1" smtClean="0">
+                <a:solidFill>
+                  <a:schemeClr val="bg1"/>
+                </a:solidFill>
+              </a:rPr>
+              <a:t>бінарного</a:t>
+            </a:r>
+            <a:r>
+              <a:rPr lang="ru-RU" b="1" dirty="0" smtClean="0">
+                <a:solidFill>
+                  <a:schemeClr val="bg1"/>
+                </a:solidFill>
+              </a:rPr>
+              <a:t> дерева</a:t>
+            </a:r>
+            <a:r>
+              <a:rPr lang="ru-RU" dirty="0" smtClean="0">
+                <a:solidFill>
+                  <a:schemeClr val="bg1"/>
+                </a:solidFill>
+              </a:rPr>
+              <a:t> </a:t>
+            </a:r>
+            <a:r>
+              <a:rPr lang="ru-RU" dirty="0" err="1" smtClean="0">
+                <a:solidFill>
+                  <a:schemeClr val="bg1"/>
+                </a:solidFill>
+              </a:rPr>
+              <a:t>передбачає</a:t>
+            </a:r>
+            <a:r>
+              <a:rPr lang="ru-RU" dirty="0" smtClean="0">
+                <a:solidFill>
+                  <a:schemeClr val="bg1"/>
+                </a:solidFill>
+              </a:rPr>
+              <a:t> </a:t>
+            </a:r>
+            <a:r>
+              <a:rPr lang="ru-RU" dirty="0" err="1" smtClean="0">
+                <a:solidFill>
+                  <a:schemeClr val="bg1"/>
+                </a:solidFill>
+              </a:rPr>
+              <a:t>відвідування</a:t>
+            </a:r>
+            <a:r>
+              <a:rPr lang="ru-RU" dirty="0" smtClean="0">
+                <a:solidFill>
+                  <a:schemeClr val="bg1"/>
+                </a:solidFill>
+              </a:rPr>
+              <a:t> </a:t>
+            </a:r>
+            <a:r>
+              <a:rPr lang="ru-RU" dirty="0" err="1" smtClean="0">
+                <a:solidFill>
+                  <a:schemeClr val="bg1"/>
+                </a:solidFill>
+              </a:rPr>
+              <a:t>усіх</a:t>
+            </a:r>
+            <a:r>
+              <a:rPr lang="ru-RU" dirty="0" smtClean="0">
+                <a:solidFill>
+                  <a:schemeClr val="bg1"/>
+                </a:solidFill>
+              </a:rPr>
+              <a:t> </a:t>
+            </a:r>
+            <a:r>
+              <a:rPr lang="ru-RU" dirty="0" smtClean="0">
+                <a:solidFill>
+                  <a:schemeClr val="bg1"/>
+                </a:solidFill>
+              </a:rPr>
+              <a:t>вершин </a:t>
+            </a:r>
+            <a:r>
+              <a:rPr lang="ru-RU" dirty="0" err="1" smtClean="0">
+                <a:solidFill>
+                  <a:schemeClr val="bg1"/>
+                </a:solidFill>
+              </a:rPr>
+              <a:t>бінарного</a:t>
+            </a:r>
+            <a:r>
+              <a:rPr lang="ru-RU" dirty="0" smtClean="0">
+                <a:solidFill>
+                  <a:schemeClr val="bg1"/>
+                </a:solidFill>
+              </a:rPr>
+              <a:t> дерева, </a:t>
+            </a:r>
+            <a:r>
+              <a:rPr lang="ru-RU" dirty="0" smtClean="0">
+                <a:solidFill>
+                  <a:schemeClr val="bg1"/>
+                </a:solidFill>
+              </a:rPr>
+              <a:t>при </a:t>
+            </a:r>
+            <a:r>
+              <a:rPr lang="ru-RU" dirty="0" err="1" smtClean="0">
+                <a:solidFill>
+                  <a:schemeClr val="bg1"/>
+                </a:solidFill>
+              </a:rPr>
+              <a:t>цьому</a:t>
+            </a:r>
+            <a:r>
+              <a:rPr lang="ru-RU" dirty="0" smtClean="0">
+                <a:solidFill>
+                  <a:schemeClr val="bg1"/>
+                </a:solidFill>
+              </a:rPr>
+              <a:t> </a:t>
+            </a:r>
+            <a:r>
+              <a:rPr lang="ru-RU" dirty="0" err="1" smtClean="0">
+                <a:solidFill>
+                  <a:schemeClr val="bg1"/>
+                </a:solidFill>
+              </a:rPr>
+              <a:t>кожна</a:t>
+            </a:r>
+            <a:r>
+              <a:rPr lang="ru-RU" dirty="0" smtClean="0">
+                <a:solidFill>
+                  <a:schemeClr val="bg1"/>
+                </a:solidFill>
+              </a:rPr>
+              <a:t> </a:t>
+            </a:r>
+            <a:r>
+              <a:rPr lang="ru-RU" dirty="0" err="1" smtClean="0">
+                <a:solidFill>
+                  <a:schemeClr val="bg1"/>
+                </a:solidFill>
+              </a:rPr>
+              <a:t>з</a:t>
+            </a:r>
+            <a:r>
+              <a:rPr lang="ru-RU" dirty="0" smtClean="0">
+                <a:solidFill>
+                  <a:schemeClr val="bg1"/>
+                </a:solidFill>
+              </a:rPr>
+              <a:t> вершин </a:t>
+            </a:r>
+            <a:r>
+              <a:rPr lang="ru-RU" dirty="0" err="1" smtClean="0">
+                <a:solidFill>
+                  <a:schemeClr val="bg1"/>
+                </a:solidFill>
+              </a:rPr>
+              <a:t>відвідується</a:t>
+            </a:r>
+            <a:r>
+              <a:rPr lang="ru-RU" dirty="0" smtClean="0">
+                <a:solidFill>
+                  <a:schemeClr val="bg1"/>
+                </a:solidFill>
+              </a:rPr>
+              <a:t> </a:t>
+            </a:r>
+            <a:r>
+              <a:rPr lang="ru-RU" dirty="0" err="1" smtClean="0">
+                <a:solidFill>
+                  <a:schemeClr val="bg1"/>
+                </a:solidFill>
+              </a:rPr>
+              <a:t>тільки</a:t>
+            </a:r>
+            <a:r>
+              <a:rPr lang="ru-RU" dirty="0" smtClean="0">
+                <a:solidFill>
+                  <a:schemeClr val="bg1"/>
+                </a:solidFill>
+              </a:rPr>
+              <a:t> один раз</a:t>
+            </a:r>
+            <a:r>
+              <a:rPr lang="ru-RU" dirty="0" smtClean="0">
+                <a:solidFill>
+                  <a:schemeClr val="bg1"/>
+                </a:solidFill>
+              </a:rPr>
+              <a:t>. </a:t>
+            </a:r>
+            <a:r>
+              <a:rPr lang="ru-RU" dirty="0" err="1" smtClean="0">
+                <a:solidFill>
+                  <a:schemeClr val="bg1"/>
+                </a:solidFill>
+              </a:rPr>
+              <a:t>Існують</a:t>
+            </a:r>
+            <a:r>
+              <a:rPr lang="ru-RU" dirty="0" smtClean="0">
+                <a:solidFill>
+                  <a:schemeClr val="bg1"/>
+                </a:solidFill>
+              </a:rPr>
+              <a:t> </a:t>
+            </a:r>
+            <a:r>
+              <a:rPr lang="ru-RU" dirty="0" smtClean="0">
+                <a:solidFill>
+                  <a:schemeClr val="bg1"/>
+                </a:solidFill>
+              </a:rPr>
+              <a:t>три </a:t>
+            </a:r>
+            <a:r>
+              <a:rPr lang="ru-RU" dirty="0" err="1" smtClean="0">
+                <a:solidFill>
+                  <a:schemeClr val="bg1"/>
+                </a:solidFill>
+              </a:rPr>
+              <a:t>види</a:t>
+            </a:r>
+            <a:r>
+              <a:rPr lang="ru-RU" dirty="0" smtClean="0">
+                <a:solidFill>
+                  <a:schemeClr val="bg1"/>
+                </a:solidFill>
+              </a:rPr>
+              <a:t> таких </a:t>
+            </a:r>
+            <a:r>
+              <a:rPr lang="ru-RU" dirty="0" err="1" smtClean="0">
+                <a:solidFill>
+                  <a:schemeClr val="bg1"/>
+                </a:solidFill>
+              </a:rPr>
+              <a:t>обходів</a:t>
+            </a:r>
+            <a:r>
+              <a:rPr lang="ru-RU" dirty="0" smtClean="0">
+                <a:solidFill>
+                  <a:schemeClr val="bg1"/>
+                </a:solidFill>
+              </a:rPr>
+              <a:t>, </a:t>
+            </a:r>
+            <a:r>
+              <a:rPr lang="ru-RU" dirty="0" err="1" smtClean="0">
+                <a:solidFill>
+                  <a:schemeClr val="bg1"/>
+                </a:solidFill>
+              </a:rPr>
+              <a:t>кожний</a:t>
+            </a:r>
+            <a:r>
+              <a:rPr lang="ru-RU" dirty="0" smtClean="0">
+                <a:solidFill>
+                  <a:schemeClr val="bg1"/>
+                </a:solidFill>
+              </a:rPr>
+              <a:t> </a:t>
+            </a:r>
+            <a:r>
+              <a:rPr lang="ru-RU" dirty="0" err="1" smtClean="0">
+                <a:solidFill>
+                  <a:schemeClr val="bg1"/>
+                </a:solidFill>
+              </a:rPr>
+              <a:t>з</a:t>
+            </a:r>
+            <a:r>
+              <a:rPr lang="ru-RU" dirty="0" smtClean="0">
+                <a:solidFill>
+                  <a:schemeClr val="bg1"/>
+                </a:solidFill>
+              </a:rPr>
+              <a:t> </a:t>
+            </a:r>
+            <a:r>
+              <a:rPr lang="ru-RU" dirty="0" err="1" smtClean="0">
+                <a:solidFill>
+                  <a:schemeClr val="bg1"/>
+                </a:solidFill>
+              </a:rPr>
+              <a:t>яких</a:t>
+            </a:r>
+            <a:r>
+              <a:rPr lang="ru-RU" dirty="0" smtClean="0">
+                <a:solidFill>
+                  <a:schemeClr val="bg1"/>
+                </a:solidFill>
+              </a:rPr>
+              <a:t> </a:t>
+            </a:r>
+            <a:r>
+              <a:rPr lang="ru-RU" dirty="0" err="1" smtClean="0">
+                <a:solidFill>
+                  <a:schemeClr val="bg1"/>
+                </a:solidFill>
+              </a:rPr>
+              <a:t>визначається</a:t>
+            </a:r>
+            <a:r>
+              <a:rPr lang="ru-RU" dirty="0" smtClean="0">
+                <a:solidFill>
+                  <a:schemeClr val="bg1"/>
+                </a:solidFill>
+              </a:rPr>
+              <a:t> </a:t>
+            </a:r>
+            <a:r>
+              <a:rPr lang="ru-RU" dirty="0" smtClean="0">
+                <a:solidFill>
+                  <a:schemeClr val="bg1"/>
+                </a:solidFill>
+              </a:rPr>
+              <a:t>рекурсивно.</a:t>
+            </a:r>
+            <a:endParaRPr lang="ru-RU" dirty="0">
+              <a:solidFill>
+                <a:schemeClr val="bg1"/>
+              </a:solidFill>
+            </a:endParaRPr>
+          </a:p>
+        </p:txBody>
+      </p:sp>
+      <p:pic>
+        <p:nvPicPr>
+          <p:cNvPr id="2050" name="Picture 2" descr="C:\Users\Dimon\Desktop\7f3d0251cd5f42e8a0a1f3aec41da199.png"/>
+          <p:cNvPicPr>
+            <a:picLocks noChangeAspect="1" noChangeArrowheads="1"/>
+          </p:cNvPicPr>
+          <p:nvPr/>
+        </p:nvPicPr>
+        <p:blipFill>
+          <a:blip r:embed="rId5"/>
+          <a:srcRect/>
+          <a:stretch>
+            <a:fillRect/>
+          </a:stretch>
+        </p:blipFill>
+        <p:spPr bwMode="auto">
+          <a:xfrm>
+            <a:off x="15144824" y="6215082"/>
+            <a:ext cx="18288000" cy="15240000"/>
+          </a:xfrm>
+          <a:prstGeom prst="rect">
+            <a:avLst/>
+          </a:prstGeom>
+          <a:noFill/>
+        </p:spPr>
+      </p:pic>
+      <p:pic>
+        <p:nvPicPr>
+          <p:cNvPr id="2051" name="Picture 3" descr="C:\Users\Dimon\Desktop\7f3d0251cd5f42e8a0a1f3aec41da199.png"/>
+          <p:cNvPicPr>
+            <a:picLocks noChangeAspect="1" noChangeArrowheads="1"/>
+          </p:cNvPicPr>
+          <p:nvPr/>
+        </p:nvPicPr>
+        <p:blipFill>
+          <a:blip r:embed="rId5"/>
+          <a:srcRect/>
+          <a:stretch>
+            <a:fillRect/>
+          </a:stretch>
+        </p:blipFill>
+        <p:spPr bwMode="auto">
+          <a:xfrm>
+            <a:off x="1571604" y="2333592"/>
+            <a:ext cx="5429288" cy="4524407"/>
+          </a:xfrm>
+          <a:prstGeom prst="rect">
+            <a:avLst/>
+          </a:prstGeom>
+          <a:noFill/>
+        </p:spPr>
+      </p:pic>
+    </p:spTree>
+  </p:cSld>
+  <p:clrMapOvr>
+    <a:masterClrMapping/>
+  </p:clrMapOvr>
+</p:sld>
+</file>
+
+<file path=ppt/slides/slide5.xml><?xml version="1.0" encoding="utf-8"?>
+<p:sld xmlns:a="http://schemas.openxmlformats.org/drawingml/2006/main" xmlns:r="http://schemas.openxmlformats.org/officeDocument/2006/relationships" xmlns:p="http://schemas.openxmlformats.org/presentationml/2006/main">
+  <p:cSld>
+    <p:spTree>
+      <p:nvGrpSpPr>
+        <p:cNvPr id="1" name=""/>
+        <p:cNvGrpSpPr/>
+        <p:nvPr/>
+      </p:nvGrpSpPr>
+      <p:grpSpPr>
+        <a:xfrm>
+          <a:off x="0" y="0"/>
+          <a:ext cx="0" cy="0"/>
+          <a:chOff x="0" y="0"/>
+          <a:chExt cx="0" cy="0"/>
+        </a:xfrm>
+      </p:grpSpPr>
+      <p:pic>
+        <p:nvPicPr>
+          <p:cNvPr id="4" name="Shape 84"/>
+          <p:cNvPicPr preferRelativeResize="0"/>
+          <p:nvPr/>
+        </p:nvPicPr>
+        <p:blipFill>
+          <a:blip r:embed="rId2">
+            <a:alphaModFix/>
+          </a:blip>
+          <a:stretch>
+            <a:fillRect/>
+          </a:stretch>
+        </p:blipFill>
+        <p:spPr>
+          <a:xfrm>
+            <a:off x="0" y="0"/>
+            <a:ext cx="9144000" cy="6858000"/>
+          </a:xfrm>
+          <a:prstGeom prst="rect">
+            <a:avLst/>
+          </a:prstGeom>
+          <a:noFill/>
+          <a:ln>
+            <a:noFill/>
+          </a:ln>
+        </p:spPr>
+      </p:pic>
+      <p:pic>
+        <p:nvPicPr>
+          <p:cNvPr id="5" name="Picture 2" descr="C:\Users\Dimon\Desktop\logo.png"/>
+          <p:cNvPicPr>
+            <a:picLocks noChangeAspect="1" noChangeArrowheads="1"/>
+          </p:cNvPicPr>
+          <p:nvPr/>
+        </p:nvPicPr>
+        <p:blipFill>
+          <a:blip r:embed="rId3" cstate="print"/>
+          <a:srcRect/>
+          <a:stretch>
+            <a:fillRect/>
+          </a:stretch>
+        </p:blipFill>
+        <p:spPr bwMode="auto">
+          <a:xfrm>
+            <a:off x="8215306" y="5923626"/>
+            <a:ext cx="928694" cy="934374"/>
+          </a:xfrm>
+          <a:prstGeom prst="rect">
+            <a:avLst/>
+          </a:prstGeom>
+          <a:noFill/>
+        </p:spPr>
+      </p:pic>
+      <p:sp>
+        <p:nvSpPr>
+          <p:cNvPr id="6" name="Прямоугольник 5"/>
+          <p:cNvSpPr/>
+          <p:nvPr/>
+        </p:nvSpPr>
+        <p:spPr>
+          <a:xfrm>
+            <a:off x="0" y="0"/>
+            <a:ext cx="2565400" cy="801291"/>
+          </a:xfrm>
+          <a:prstGeom prst="rect">
+            <a:avLst/>
+          </a:prstGeom>
+          <a:solidFill>
+            <a:schemeClr val="bg1"/>
+          </a:solidFill>
+          <a:ln>
+            <a:solidFill>
+              <a:schemeClr val="bg1"/>
+            </a:solidFill>
+          </a:ln>
+        </p:spPr>
+        <p:style>
+          <a:lnRef idx="2">
+            <a:schemeClr val="accent1">
+              <a:shade val="50000"/>
+            </a:schemeClr>
+          </a:lnRef>
+          <a:fillRef idx="1">
+            <a:schemeClr val="accent1"/>
+          </a:fillRef>
+          <a:effectRef idx="0">
+            <a:schemeClr val="accent1"/>
+          </a:effectRef>
+          <a:fontRef idx="minor">
+            <a:schemeClr val="lt1"/>
+          </a:fontRef>
+        </p:style>
+        <p:txBody>
+          <a:bodyPr rtlCol="0" anchor="ctr"/>
+          <a:lstStyle/>
+          <a:p>
+            <a:pPr algn="ctr"/>
+            <a:endParaRPr lang="ru-RU" sz="1050"/>
+          </a:p>
+        </p:txBody>
+      </p:sp>
+      <p:pic>
+        <p:nvPicPr>
+          <p:cNvPr id="7" name="Рисунок 6"/>
+          <p:cNvPicPr>
+            <a:picLocks noChangeAspect="1"/>
+          </p:cNvPicPr>
+          <p:nvPr/>
+        </p:nvPicPr>
+        <p:blipFill>
+          <a:blip r:embed="rId4" cstate="print">
+            <a:extLst>
+              <a:ext uri="{28A0092B-C50C-407E-A947-70E740481C1C}">
+                <a14:useLocalDpi xmlns="" xmlns:a14="http://schemas.microsoft.com/office/drawing/2010/main" val="0"/>
+              </a:ext>
+            </a:extLst>
+          </a:blip>
+          <a:stretch>
+            <a:fillRect/>
+          </a:stretch>
+        </p:blipFill>
+        <p:spPr>
+          <a:xfrm>
+            <a:off x="114168" y="50891"/>
+            <a:ext cx="2356667" cy="709289"/>
+          </a:xfrm>
+          <a:prstGeom prst="rect">
+            <a:avLst/>
+          </a:prstGeom>
+        </p:spPr>
+      </p:pic>
+      <p:sp>
+        <p:nvSpPr>
+          <p:cNvPr id="8" name="Заголовок 7"/>
+          <p:cNvSpPr>
+            <a:spLocks noGrp="1"/>
+          </p:cNvSpPr>
+          <p:nvPr>
+            <p:ph type="title"/>
+          </p:nvPr>
+        </p:nvSpPr>
+        <p:spPr>
+          <a:xfrm>
+            <a:off x="2571736" y="142852"/>
+            <a:ext cx="3714776" cy="654032"/>
+          </a:xfrm>
+        </p:spPr>
+        <p:txBody>
+          <a:bodyPr>
+            <a:normAutofit fontScale="90000"/>
+          </a:bodyPr>
+          <a:lstStyle/>
+          <a:p>
+            <a:r>
+              <a:rPr lang="uk-UA" b="1" dirty="0" smtClean="0">
+                <a:solidFill>
+                  <a:schemeClr val="bg1"/>
+                </a:solidFill>
+              </a:rPr>
+              <a:t>Прямий обхід</a:t>
+            </a:r>
+            <a:endParaRPr lang="ru-RU" b="1" dirty="0">
+              <a:solidFill>
+                <a:schemeClr val="bg1"/>
+              </a:solidFill>
+            </a:endParaRPr>
+          </a:p>
+        </p:txBody>
+      </p:sp>
+      <p:sp>
+        <p:nvSpPr>
+          <p:cNvPr id="9" name="Содержимое 8"/>
+          <p:cNvSpPr>
+            <a:spLocks noGrp="1"/>
+          </p:cNvSpPr>
+          <p:nvPr>
+            <p:ph idx="1"/>
+          </p:nvPr>
+        </p:nvSpPr>
+        <p:spPr>
+          <a:xfrm>
+            <a:off x="0" y="857233"/>
+            <a:ext cx="9144000" cy="2500329"/>
+          </a:xfrm>
+        </p:spPr>
+        <p:txBody>
+          <a:bodyPr>
+            <a:normAutofit fontScale="85000" lnSpcReduction="20000"/>
+          </a:bodyPr>
+          <a:lstStyle/>
+          <a:p>
+            <a:pPr>
+              <a:buNone/>
+            </a:pPr>
+            <a:r>
+              <a:rPr lang="ru-RU" b="1" dirty="0" err="1" smtClean="0">
+                <a:solidFill>
+                  <a:schemeClr val="bg1"/>
+                </a:solidFill>
+              </a:rPr>
+              <a:t>Прямий</a:t>
+            </a:r>
+            <a:r>
+              <a:rPr lang="ru-RU" b="1" dirty="0" smtClean="0">
+                <a:solidFill>
+                  <a:schemeClr val="bg1"/>
+                </a:solidFill>
+              </a:rPr>
+              <a:t> </a:t>
+            </a:r>
+            <a:r>
+              <a:rPr lang="ru-RU" b="1" dirty="0" smtClean="0">
+                <a:solidFill>
+                  <a:schemeClr val="bg1"/>
+                </a:solidFill>
+              </a:rPr>
+              <a:t>порядок</a:t>
+            </a:r>
+            <a:r>
+              <a:rPr lang="ru-RU" dirty="0" smtClean="0">
+                <a:solidFill>
+                  <a:schemeClr val="bg1"/>
+                </a:solidFill>
+              </a:rPr>
+              <a:t> </a:t>
+            </a:r>
+            <a:r>
+              <a:rPr lang="ru-RU" dirty="0" smtClean="0">
+                <a:solidFill>
+                  <a:schemeClr val="bg1"/>
+                </a:solidFill>
+              </a:rPr>
+              <a:t>(</a:t>
+            </a:r>
+            <a:r>
+              <a:rPr lang="en-US" i="1" dirty="0" smtClean="0">
+                <a:solidFill>
+                  <a:schemeClr val="bg1"/>
+                </a:solidFill>
+              </a:rPr>
+              <a:t>preorder</a:t>
+            </a:r>
+            <a:r>
+              <a:rPr lang="en-US" dirty="0" smtClean="0">
+                <a:solidFill>
+                  <a:schemeClr val="bg1"/>
+                </a:solidFill>
+              </a:rPr>
+              <a:t>) </a:t>
+            </a:r>
+            <a:r>
+              <a:rPr lang="ru-RU" dirty="0" err="1" smtClean="0">
+                <a:solidFill>
+                  <a:schemeClr val="bg1"/>
+                </a:solidFill>
+              </a:rPr>
+              <a:t>наступної</a:t>
+            </a:r>
+            <a:r>
+              <a:rPr lang="ru-RU" dirty="0" smtClean="0">
+                <a:solidFill>
+                  <a:schemeClr val="bg1"/>
+                </a:solidFill>
+              </a:rPr>
+              <a:t> </a:t>
+            </a:r>
+            <a:r>
+              <a:rPr lang="ru-RU" dirty="0" err="1" smtClean="0">
+                <a:solidFill>
+                  <a:schemeClr val="bg1"/>
+                </a:solidFill>
+              </a:rPr>
+              <a:t>послідовності</a:t>
+            </a:r>
+            <a:r>
+              <a:rPr lang="ru-RU" dirty="0" smtClean="0">
+                <a:solidFill>
+                  <a:schemeClr val="bg1"/>
+                </a:solidFill>
+              </a:rPr>
+              <a:t>:</a:t>
+            </a:r>
+          </a:p>
+          <a:p>
+            <a:pPr>
+              <a:buNone/>
+            </a:pPr>
+            <a:r>
+              <a:rPr lang="ru-RU" dirty="0" smtClean="0">
+                <a:solidFill>
+                  <a:schemeClr val="bg1"/>
+                </a:solidFill>
+              </a:rPr>
+              <a:t>1. </a:t>
+            </a:r>
+            <a:r>
+              <a:rPr lang="ru-RU" dirty="0" err="1" smtClean="0">
+                <a:solidFill>
+                  <a:schemeClr val="bg1"/>
+                </a:solidFill>
+              </a:rPr>
+              <a:t>відвідати</a:t>
+            </a:r>
+            <a:r>
+              <a:rPr lang="ru-RU" dirty="0" smtClean="0">
+                <a:solidFill>
+                  <a:schemeClr val="bg1"/>
+                </a:solidFill>
+              </a:rPr>
+              <a:t> </a:t>
+            </a:r>
+            <a:r>
+              <a:rPr lang="ru-RU" dirty="0" err="1" smtClean="0">
+                <a:solidFill>
+                  <a:schemeClr val="bg1"/>
+                </a:solidFill>
+              </a:rPr>
+              <a:t>корінь</a:t>
+            </a:r>
+            <a:endParaRPr lang="ru-RU" dirty="0" smtClean="0">
+              <a:solidFill>
+                <a:schemeClr val="bg1"/>
+              </a:solidFill>
+            </a:endParaRPr>
+          </a:p>
+          <a:p>
+            <a:pPr>
+              <a:buNone/>
+            </a:pPr>
+            <a:r>
+              <a:rPr lang="ru-RU" dirty="0" smtClean="0">
+                <a:solidFill>
+                  <a:schemeClr val="bg1"/>
+                </a:solidFill>
+              </a:rPr>
+              <a:t>2. </a:t>
+            </a:r>
+            <a:r>
+              <a:rPr lang="ru-RU" dirty="0" err="1" smtClean="0">
+                <a:solidFill>
+                  <a:schemeClr val="bg1"/>
+                </a:solidFill>
+              </a:rPr>
+              <a:t>відвідати</a:t>
+            </a:r>
+            <a:r>
+              <a:rPr lang="ru-RU" dirty="0" smtClean="0">
+                <a:solidFill>
+                  <a:schemeClr val="bg1"/>
+                </a:solidFill>
+              </a:rPr>
+              <a:t> </a:t>
+            </a:r>
+            <a:r>
+              <a:rPr lang="ru-RU" dirty="0" err="1" smtClean="0">
+                <a:solidFill>
+                  <a:schemeClr val="bg1"/>
+                </a:solidFill>
+              </a:rPr>
+              <a:t>ліве</a:t>
+            </a:r>
+            <a:r>
+              <a:rPr lang="ru-RU" dirty="0" smtClean="0">
+                <a:solidFill>
+                  <a:schemeClr val="bg1"/>
+                </a:solidFill>
+              </a:rPr>
+              <a:t> </a:t>
+            </a:r>
+            <a:r>
+              <a:rPr lang="ru-RU" dirty="0" err="1" smtClean="0">
+                <a:solidFill>
+                  <a:schemeClr val="bg1"/>
+                </a:solidFill>
+              </a:rPr>
+              <a:t>піддерево</a:t>
+            </a:r>
+            <a:endParaRPr lang="ru-RU" dirty="0" smtClean="0">
+              <a:solidFill>
+                <a:schemeClr val="bg1"/>
+              </a:solidFill>
+            </a:endParaRPr>
+          </a:p>
+          <a:p>
+            <a:pPr>
+              <a:buNone/>
+            </a:pPr>
+            <a:r>
+              <a:rPr lang="ru-RU" dirty="0" smtClean="0">
+                <a:solidFill>
+                  <a:schemeClr val="bg1"/>
+                </a:solidFill>
+              </a:rPr>
+              <a:t>3. </a:t>
+            </a:r>
+            <a:r>
+              <a:rPr lang="ru-RU" dirty="0" err="1" smtClean="0">
+                <a:solidFill>
+                  <a:schemeClr val="bg1"/>
+                </a:solidFill>
+              </a:rPr>
+              <a:t>відвідати</a:t>
+            </a:r>
+            <a:r>
+              <a:rPr lang="ru-RU" dirty="0" smtClean="0">
+                <a:solidFill>
+                  <a:schemeClr val="bg1"/>
+                </a:solidFill>
+              </a:rPr>
+              <a:t> </a:t>
+            </a:r>
+            <a:r>
+              <a:rPr lang="ru-RU" dirty="0" smtClean="0">
+                <a:solidFill>
+                  <a:schemeClr val="bg1"/>
+                </a:solidFill>
+              </a:rPr>
+              <a:t>праве </a:t>
+            </a:r>
+            <a:r>
+              <a:rPr lang="ru-RU" dirty="0" err="1" smtClean="0">
+                <a:solidFill>
+                  <a:schemeClr val="bg1"/>
+                </a:solidFill>
+              </a:rPr>
+              <a:t>піддерево</a:t>
+            </a:r>
+            <a:endParaRPr lang="ru-RU" dirty="0" smtClean="0">
+              <a:solidFill>
+                <a:schemeClr val="bg1"/>
+              </a:solidFill>
+            </a:endParaRPr>
+          </a:p>
+          <a:p>
+            <a:pPr>
+              <a:buNone/>
+            </a:pPr>
+            <a:r>
+              <a:rPr lang="ru-RU" dirty="0" err="1" smtClean="0">
+                <a:solidFill>
+                  <a:schemeClr val="bg1"/>
+                </a:solidFill>
+              </a:rPr>
+              <a:t>Тобто</a:t>
+            </a:r>
+            <a:r>
+              <a:rPr lang="ru-RU" dirty="0" smtClean="0">
+                <a:solidFill>
+                  <a:schemeClr val="bg1"/>
+                </a:solidFill>
+              </a:rPr>
+              <a:t>, в такому порядку обходу </a:t>
+            </a:r>
+            <a:r>
+              <a:rPr lang="ru-RU" dirty="0" err="1" smtClean="0">
+                <a:solidFill>
+                  <a:schemeClr val="bg1"/>
+                </a:solidFill>
+              </a:rPr>
+              <a:t>кожна</a:t>
+            </a:r>
+            <a:r>
+              <a:rPr lang="ru-RU" dirty="0" smtClean="0">
+                <a:solidFill>
+                  <a:schemeClr val="bg1"/>
+                </a:solidFill>
+              </a:rPr>
+              <a:t> вершина </a:t>
+            </a:r>
+            <a:r>
+              <a:rPr lang="ru-RU" dirty="0" err="1" smtClean="0">
+                <a:solidFill>
+                  <a:schemeClr val="bg1"/>
+                </a:solidFill>
+              </a:rPr>
+              <a:t>відвідується</a:t>
+            </a:r>
+            <a:r>
+              <a:rPr lang="ru-RU" dirty="0" smtClean="0">
+                <a:solidFill>
+                  <a:schemeClr val="bg1"/>
+                </a:solidFill>
+              </a:rPr>
+              <a:t> до того, як </a:t>
+            </a:r>
+            <a:r>
+              <a:rPr lang="ru-RU" dirty="0" err="1" smtClean="0">
+                <a:solidFill>
+                  <a:schemeClr val="bg1"/>
+                </a:solidFill>
+              </a:rPr>
+              <a:t>будуть</a:t>
+            </a:r>
+            <a:r>
+              <a:rPr lang="ru-RU" dirty="0" smtClean="0">
+                <a:solidFill>
+                  <a:schemeClr val="bg1"/>
+                </a:solidFill>
+              </a:rPr>
+              <a:t> </a:t>
+            </a:r>
+            <a:r>
+              <a:rPr lang="ru-RU" dirty="0" err="1" smtClean="0">
+                <a:solidFill>
+                  <a:schemeClr val="bg1"/>
+                </a:solidFill>
+              </a:rPr>
+              <a:t>відвідані</a:t>
+            </a:r>
+            <a:r>
+              <a:rPr lang="ru-RU" dirty="0" smtClean="0">
+                <a:solidFill>
+                  <a:schemeClr val="bg1"/>
+                </a:solidFill>
+              </a:rPr>
+              <a:t> </a:t>
+            </a:r>
+            <a:r>
+              <a:rPr lang="ru-RU" dirty="0" err="1" smtClean="0">
+                <a:solidFill>
+                  <a:schemeClr val="bg1"/>
+                </a:solidFill>
+              </a:rPr>
+              <a:t>її</a:t>
+            </a:r>
+            <a:r>
+              <a:rPr lang="ru-RU" dirty="0" smtClean="0">
+                <a:solidFill>
+                  <a:schemeClr val="bg1"/>
+                </a:solidFill>
+              </a:rPr>
+              <a:t> </a:t>
+            </a:r>
+            <a:r>
+              <a:rPr lang="ru-RU" dirty="0" err="1" smtClean="0">
+                <a:solidFill>
+                  <a:schemeClr val="bg1"/>
+                </a:solidFill>
+              </a:rPr>
+              <a:t>діти</a:t>
+            </a:r>
+            <a:r>
+              <a:rPr lang="ru-RU" dirty="0" smtClean="0">
+                <a:solidFill>
+                  <a:schemeClr val="bg1"/>
+                </a:solidFill>
+              </a:rPr>
+              <a:t>.</a:t>
+            </a:r>
+            <a:endParaRPr lang="ru-RU" dirty="0">
+              <a:solidFill>
+                <a:schemeClr val="bg1"/>
+              </a:solidFill>
+            </a:endParaRPr>
+          </a:p>
+        </p:txBody>
+      </p:sp>
+      <p:pic>
+        <p:nvPicPr>
+          <p:cNvPr id="10" name="Picture 3" descr="C:\Users\Dimon\Desktop\7f3d0251cd5f42e8a0a1f3aec41da199.png"/>
+          <p:cNvPicPr>
+            <a:picLocks noChangeAspect="1" noChangeArrowheads="1"/>
+          </p:cNvPicPr>
+          <p:nvPr/>
+        </p:nvPicPr>
+        <p:blipFill>
+          <a:blip r:embed="rId5" cstate="print"/>
+          <a:srcRect/>
+          <a:stretch>
+            <a:fillRect/>
+          </a:stretch>
+        </p:blipFill>
+        <p:spPr bwMode="auto">
+          <a:xfrm>
+            <a:off x="71406" y="3226567"/>
+            <a:ext cx="4357718" cy="3631432"/>
+          </a:xfrm>
+          <a:prstGeom prst="rect">
+            <a:avLst/>
+          </a:prstGeom>
+          <a:noFill/>
+        </p:spPr>
+      </p:pic>
+      <p:sp>
+        <p:nvSpPr>
+          <p:cNvPr id="12" name="TextBox 11"/>
+          <p:cNvSpPr txBox="1"/>
+          <p:nvPr/>
+        </p:nvSpPr>
+        <p:spPr>
+          <a:xfrm>
+            <a:off x="4429124" y="3500438"/>
+            <a:ext cx="4572032" cy="1077218"/>
+          </a:xfrm>
+          <a:prstGeom prst="rect">
+            <a:avLst/>
+          </a:prstGeom>
+          <a:noFill/>
+        </p:spPr>
+        <p:txBody>
+          <a:bodyPr wrap="square" rtlCol="0">
+            <a:spAutoFit/>
+          </a:bodyPr>
+          <a:lstStyle/>
+          <a:p>
+            <a:r>
+              <a:rPr lang="uk-UA" sz="3200" b="1" dirty="0" smtClean="0">
+                <a:solidFill>
+                  <a:schemeClr val="bg1"/>
+                </a:solidFill>
+              </a:rPr>
+              <a:t>Прямий порядок: </a:t>
+            </a:r>
+          </a:p>
+          <a:p>
+            <a:r>
+              <a:rPr lang="uk-UA" sz="3200" b="1" dirty="0" smtClean="0">
+                <a:solidFill>
+                  <a:schemeClr val="bg1"/>
+                </a:solidFill>
+              </a:rPr>
+              <a:t>8, 3, 1, 6, 4, 7, 10, 14, 13</a:t>
+            </a:r>
+            <a:endParaRPr lang="ru-RU" sz="3200" b="1" dirty="0">
+              <a:solidFill>
+                <a:schemeClr val="bg1"/>
+              </a:solidFill>
+            </a:endParaRPr>
+          </a:p>
+        </p:txBody>
+      </p:sp>
+    </p:spTree>
+  </p:cSld>
+  <p:clrMapOvr>
+    <a:masterClrMapping/>
+  </p:clrMapOvr>
+</p:sld>
+</file>
+
+<file path=ppt/slides/slide6.xml><?xml version="1.0" encoding="utf-8"?>
+<p:sld xmlns:a="http://schemas.openxmlformats.org/drawingml/2006/main" xmlns:r="http://schemas.openxmlformats.org/officeDocument/2006/relationships" xmlns:p="http://schemas.openxmlformats.org/presentationml/2006/main">
+  <p:cSld>
+    <p:spTree>
+      <p:nvGrpSpPr>
+        <p:cNvPr id="1" name=""/>
+        <p:cNvGrpSpPr/>
+        <p:nvPr/>
+      </p:nvGrpSpPr>
+      <p:grpSpPr>
+        <a:xfrm>
+          <a:off x="0" y="0"/>
+          <a:ext cx="0" cy="0"/>
+          <a:chOff x="0" y="0"/>
+          <a:chExt cx="0" cy="0"/>
+        </a:xfrm>
+      </p:grpSpPr>
+      <p:pic>
+        <p:nvPicPr>
+          <p:cNvPr id="4" name="Shape 84"/>
+          <p:cNvPicPr preferRelativeResize="0"/>
+          <p:nvPr/>
+        </p:nvPicPr>
+        <p:blipFill>
+          <a:blip r:embed="rId2">
+            <a:alphaModFix/>
+          </a:blip>
+          <a:stretch>
+            <a:fillRect/>
+          </a:stretch>
+        </p:blipFill>
+        <p:spPr>
+          <a:xfrm>
+            <a:off x="0" y="0"/>
+            <a:ext cx="9144000" cy="6858000"/>
+          </a:xfrm>
+          <a:prstGeom prst="rect">
+            <a:avLst/>
+          </a:prstGeom>
+          <a:noFill/>
+          <a:ln>
+            <a:noFill/>
+          </a:ln>
+        </p:spPr>
+      </p:pic>
+      <p:pic>
+        <p:nvPicPr>
+          <p:cNvPr id="5" name="Picture 2" descr="C:\Users\Dimon\Desktop\logo.png"/>
+          <p:cNvPicPr>
+            <a:picLocks noChangeAspect="1" noChangeArrowheads="1"/>
+          </p:cNvPicPr>
+          <p:nvPr/>
+        </p:nvPicPr>
+        <p:blipFill>
+          <a:blip r:embed="rId3" cstate="print"/>
+          <a:srcRect/>
+          <a:stretch>
+            <a:fillRect/>
+          </a:stretch>
+        </p:blipFill>
+        <p:spPr bwMode="auto">
+          <a:xfrm>
+            <a:off x="8215306" y="5923626"/>
+            <a:ext cx="928694" cy="934374"/>
+          </a:xfrm>
+          <a:prstGeom prst="rect">
+            <a:avLst/>
+          </a:prstGeom>
+          <a:noFill/>
+        </p:spPr>
+      </p:pic>
+      <p:sp>
+        <p:nvSpPr>
+          <p:cNvPr id="6" name="Прямоугольник 5"/>
+          <p:cNvSpPr/>
+          <p:nvPr/>
+        </p:nvSpPr>
+        <p:spPr>
+          <a:xfrm>
+            <a:off x="0" y="0"/>
+            <a:ext cx="2565400" cy="801291"/>
+          </a:xfrm>
+          <a:prstGeom prst="rect">
+            <a:avLst/>
+          </a:prstGeom>
+          <a:solidFill>
+            <a:schemeClr val="bg1"/>
+          </a:solidFill>
+          <a:ln>
+            <a:solidFill>
+              <a:schemeClr val="bg1"/>
+            </a:solidFill>
+          </a:ln>
+        </p:spPr>
+        <p:style>
+          <a:lnRef idx="2">
+            <a:schemeClr val="accent1">
+              <a:shade val="50000"/>
+            </a:schemeClr>
+          </a:lnRef>
+          <a:fillRef idx="1">
+            <a:schemeClr val="accent1"/>
+          </a:fillRef>
+          <a:effectRef idx="0">
+            <a:schemeClr val="accent1"/>
+          </a:effectRef>
+          <a:fontRef idx="minor">
+            <a:schemeClr val="lt1"/>
+          </a:fontRef>
+        </p:style>
+        <p:txBody>
+          <a:bodyPr rtlCol="0" anchor="ctr"/>
+          <a:lstStyle/>
+          <a:p>
+            <a:pPr algn="ctr"/>
+            <a:endParaRPr lang="ru-RU" sz="1050"/>
+          </a:p>
+        </p:txBody>
+      </p:sp>
+      <p:pic>
+        <p:nvPicPr>
+          <p:cNvPr id="7" name="Рисунок 6"/>
+          <p:cNvPicPr>
+            <a:picLocks noChangeAspect="1"/>
+          </p:cNvPicPr>
+          <p:nvPr/>
+        </p:nvPicPr>
+        <p:blipFill>
+          <a:blip r:embed="rId4" cstate="print">
+            <a:extLst>
+              <a:ext uri="{28A0092B-C50C-407E-A947-70E740481C1C}">
+                <a14:useLocalDpi xmlns="" xmlns:a14="http://schemas.microsoft.com/office/drawing/2010/main" val="0"/>
+              </a:ext>
+            </a:extLst>
+          </a:blip>
+          <a:stretch>
+            <a:fillRect/>
+          </a:stretch>
+        </p:blipFill>
+        <p:spPr>
+          <a:xfrm>
+            <a:off x="114168" y="50891"/>
+            <a:ext cx="2356667" cy="709289"/>
+          </a:xfrm>
+          <a:prstGeom prst="rect">
+            <a:avLst/>
+          </a:prstGeom>
+        </p:spPr>
+      </p:pic>
+      <p:pic>
+        <p:nvPicPr>
+          <p:cNvPr id="8" name="Shape 84"/>
+          <p:cNvPicPr preferRelativeResize="0"/>
+          <p:nvPr/>
+        </p:nvPicPr>
+        <p:blipFill>
+          <a:blip r:embed="rId2">
+            <a:alphaModFix/>
+          </a:blip>
+          <a:stretch>
+            <a:fillRect/>
+          </a:stretch>
+        </p:blipFill>
+        <p:spPr>
+          <a:xfrm>
+            <a:off x="0" y="0"/>
+            <a:ext cx="9144000" cy="6858000"/>
+          </a:xfrm>
+          <a:prstGeom prst="rect">
+            <a:avLst/>
+          </a:prstGeom>
+          <a:noFill/>
+          <a:ln>
+            <a:noFill/>
+          </a:ln>
+        </p:spPr>
+      </p:pic>
+      <p:pic>
+        <p:nvPicPr>
+          <p:cNvPr id="9" name="Picture 2" descr="C:\Users\Dimon\Desktop\logo.png"/>
+          <p:cNvPicPr>
+            <a:picLocks noChangeAspect="1" noChangeArrowheads="1"/>
+          </p:cNvPicPr>
+          <p:nvPr/>
+        </p:nvPicPr>
+        <p:blipFill>
+          <a:blip r:embed="rId3" cstate="print"/>
+          <a:srcRect/>
+          <a:stretch>
+            <a:fillRect/>
+          </a:stretch>
+        </p:blipFill>
+        <p:spPr bwMode="auto">
+          <a:xfrm>
+            <a:off x="8215306" y="5923626"/>
+            <a:ext cx="928694" cy="934374"/>
+          </a:xfrm>
+          <a:prstGeom prst="rect">
+            <a:avLst/>
+          </a:prstGeom>
+          <a:noFill/>
+        </p:spPr>
+      </p:pic>
+      <p:sp>
+        <p:nvSpPr>
+          <p:cNvPr id="10" name="Прямоугольник 9"/>
+          <p:cNvSpPr/>
+          <p:nvPr/>
+        </p:nvSpPr>
+        <p:spPr>
+          <a:xfrm>
+            <a:off x="0" y="0"/>
+            <a:ext cx="2565400" cy="801291"/>
+          </a:xfrm>
+          <a:prstGeom prst="rect">
+            <a:avLst/>
+          </a:prstGeom>
+          <a:solidFill>
+            <a:schemeClr val="bg1"/>
+          </a:solidFill>
+          <a:ln>
+            <a:solidFill>
+              <a:schemeClr val="bg1"/>
+            </a:solidFill>
+          </a:ln>
+        </p:spPr>
+        <p:style>
+          <a:lnRef idx="2">
+            <a:schemeClr val="accent1">
+              <a:shade val="50000"/>
+            </a:schemeClr>
+          </a:lnRef>
+          <a:fillRef idx="1">
+            <a:schemeClr val="accent1"/>
+          </a:fillRef>
+          <a:effectRef idx="0">
+            <a:schemeClr val="accent1"/>
+          </a:effectRef>
+          <a:fontRef idx="minor">
+            <a:schemeClr val="lt1"/>
+          </a:fontRef>
+        </p:style>
+        <p:txBody>
+          <a:bodyPr rtlCol="0" anchor="ctr"/>
+          <a:lstStyle/>
+          <a:p>
+            <a:pPr algn="ctr"/>
+            <a:endParaRPr lang="ru-RU" sz="1050"/>
+          </a:p>
+        </p:txBody>
+      </p:sp>
+      <p:pic>
+        <p:nvPicPr>
+          <p:cNvPr id="11" name="Рисунок 10"/>
+          <p:cNvPicPr>
+            <a:picLocks noChangeAspect="1"/>
+          </p:cNvPicPr>
+          <p:nvPr/>
+        </p:nvPicPr>
+        <p:blipFill>
+          <a:blip r:embed="rId4" cstate="print">
+            <a:extLst>
+              <a:ext uri="{28A0092B-C50C-407E-A947-70E740481C1C}">
+                <a14:useLocalDpi xmlns="" xmlns:a14="http://schemas.microsoft.com/office/drawing/2010/main" val="0"/>
+              </a:ext>
+            </a:extLst>
+          </a:blip>
+          <a:stretch>
+            <a:fillRect/>
+          </a:stretch>
+        </p:blipFill>
+        <p:spPr>
+          <a:xfrm>
+            <a:off x="114168" y="50891"/>
+            <a:ext cx="2356667" cy="709289"/>
+          </a:xfrm>
+          <a:prstGeom prst="rect">
+            <a:avLst/>
+          </a:prstGeom>
+        </p:spPr>
+      </p:pic>
+      <p:sp>
+        <p:nvSpPr>
+          <p:cNvPr id="12" name="Заголовок 7"/>
+          <p:cNvSpPr>
+            <a:spLocks noGrp="1"/>
+          </p:cNvSpPr>
+          <p:nvPr>
+            <p:ph type="title"/>
+          </p:nvPr>
+        </p:nvSpPr>
+        <p:spPr>
+          <a:xfrm>
+            <a:off x="2571736" y="142852"/>
+            <a:ext cx="6357982" cy="654032"/>
+          </a:xfrm>
+        </p:spPr>
+        <p:txBody>
+          <a:bodyPr>
+            <a:normAutofit fontScale="90000"/>
+          </a:bodyPr>
+          <a:lstStyle/>
+          <a:p>
+            <a:r>
+              <a:rPr lang="uk-UA" b="1" dirty="0" smtClean="0">
+                <a:solidFill>
+                  <a:schemeClr val="bg1"/>
+                </a:solidFill>
+              </a:rPr>
+              <a:t>Симетричний порядок</a:t>
+            </a:r>
+            <a:endParaRPr lang="ru-RU" b="1" dirty="0">
+              <a:solidFill>
+                <a:schemeClr val="bg1"/>
+              </a:solidFill>
+            </a:endParaRPr>
+          </a:p>
+        </p:txBody>
+      </p:sp>
+      <p:sp>
+        <p:nvSpPr>
+          <p:cNvPr id="13" name="Содержимое 8"/>
+          <p:cNvSpPr>
+            <a:spLocks noGrp="1"/>
+          </p:cNvSpPr>
+          <p:nvPr>
+            <p:ph idx="1"/>
+          </p:nvPr>
+        </p:nvSpPr>
+        <p:spPr>
+          <a:xfrm>
+            <a:off x="0" y="857233"/>
+            <a:ext cx="9144000" cy="2714643"/>
+          </a:xfrm>
+        </p:spPr>
+        <p:txBody>
+          <a:bodyPr>
+            <a:normAutofit fontScale="70000" lnSpcReduction="20000"/>
+          </a:bodyPr>
+          <a:lstStyle/>
+          <a:p>
+            <a:pPr>
+              <a:buNone/>
+            </a:pPr>
+            <a:r>
+              <a:rPr lang="ru-RU" b="1" dirty="0" err="1" smtClean="0">
+                <a:solidFill>
+                  <a:schemeClr val="bg1"/>
+                </a:solidFill>
+              </a:rPr>
+              <a:t>Симетричний</a:t>
+            </a:r>
+            <a:r>
+              <a:rPr lang="ru-RU" b="1" dirty="0" smtClean="0">
+                <a:solidFill>
+                  <a:schemeClr val="bg1"/>
+                </a:solidFill>
+              </a:rPr>
+              <a:t> </a:t>
+            </a:r>
+            <a:r>
+              <a:rPr lang="ru-RU" b="1" dirty="0" smtClean="0">
+                <a:solidFill>
+                  <a:schemeClr val="bg1"/>
+                </a:solidFill>
+              </a:rPr>
+              <a:t>порядок</a:t>
+            </a:r>
+            <a:r>
+              <a:rPr lang="ru-RU" dirty="0" smtClean="0">
+                <a:solidFill>
+                  <a:schemeClr val="bg1"/>
+                </a:solidFill>
+              </a:rPr>
+              <a:t> </a:t>
+            </a:r>
+            <a:r>
+              <a:rPr lang="ru-RU" dirty="0" smtClean="0">
+                <a:solidFill>
+                  <a:schemeClr val="bg1"/>
+                </a:solidFill>
+              </a:rPr>
+              <a:t>(</a:t>
+            </a:r>
+            <a:r>
+              <a:rPr lang="en-US" dirty="0" err="1" smtClean="0">
+                <a:solidFill>
+                  <a:schemeClr val="bg1"/>
+                </a:solidFill>
+              </a:rPr>
+              <a:t>inorder</a:t>
+            </a:r>
+            <a:r>
+              <a:rPr lang="en-US" dirty="0" smtClean="0">
+                <a:solidFill>
+                  <a:schemeClr val="bg1"/>
+                </a:solidFill>
+              </a:rPr>
+              <a:t>) </a:t>
+            </a:r>
+            <a:r>
+              <a:rPr lang="ru-RU" dirty="0" err="1" smtClean="0">
+                <a:solidFill>
+                  <a:schemeClr val="bg1"/>
+                </a:solidFill>
+              </a:rPr>
+              <a:t>наступної</a:t>
+            </a:r>
+            <a:r>
+              <a:rPr lang="ru-RU" dirty="0" smtClean="0">
+                <a:solidFill>
+                  <a:schemeClr val="bg1"/>
+                </a:solidFill>
+              </a:rPr>
+              <a:t> </a:t>
+            </a:r>
+            <a:r>
+              <a:rPr lang="ru-RU" dirty="0" err="1" smtClean="0">
+                <a:solidFill>
+                  <a:schemeClr val="bg1"/>
+                </a:solidFill>
+              </a:rPr>
+              <a:t>послідовності</a:t>
+            </a:r>
+            <a:r>
+              <a:rPr lang="ru-RU" dirty="0" smtClean="0">
+                <a:solidFill>
+                  <a:schemeClr val="bg1"/>
+                </a:solidFill>
+              </a:rPr>
+              <a:t>:</a:t>
+            </a:r>
+          </a:p>
+          <a:p>
+            <a:pPr marL="514350" indent="-514350">
+              <a:buAutoNum type="arabicPeriod"/>
+            </a:pPr>
+            <a:r>
+              <a:rPr lang="ru-RU" dirty="0" err="1" smtClean="0">
+                <a:solidFill>
+                  <a:schemeClr val="bg1"/>
+                </a:solidFill>
+              </a:rPr>
+              <a:t>відвідати</a:t>
+            </a:r>
+            <a:r>
+              <a:rPr lang="ru-RU" dirty="0" smtClean="0">
+                <a:solidFill>
+                  <a:schemeClr val="bg1"/>
+                </a:solidFill>
+              </a:rPr>
+              <a:t> </a:t>
+            </a:r>
+            <a:r>
+              <a:rPr lang="ru-RU" dirty="0" err="1" smtClean="0">
+                <a:solidFill>
+                  <a:schemeClr val="bg1"/>
+                </a:solidFill>
+              </a:rPr>
+              <a:t>ліве</a:t>
+            </a:r>
+            <a:r>
+              <a:rPr lang="ru-RU" dirty="0" smtClean="0">
+                <a:solidFill>
+                  <a:schemeClr val="bg1"/>
+                </a:solidFill>
+              </a:rPr>
+              <a:t> </a:t>
+            </a:r>
+            <a:r>
+              <a:rPr lang="ru-RU" dirty="0" err="1" smtClean="0">
+                <a:solidFill>
+                  <a:schemeClr val="bg1"/>
+                </a:solidFill>
+              </a:rPr>
+              <a:t>піддерево</a:t>
+            </a:r>
+            <a:endParaRPr lang="ru-RU" dirty="0" smtClean="0">
+              <a:solidFill>
+                <a:schemeClr val="bg1"/>
+              </a:solidFill>
+            </a:endParaRPr>
+          </a:p>
+          <a:p>
+            <a:pPr marL="514350" indent="-514350">
+              <a:buAutoNum type="arabicPeriod"/>
+            </a:pPr>
+            <a:r>
+              <a:rPr lang="ru-RU" dirty="0" err="1" smtClean="0">
+                <a:solidFill>
+                  <a:schemeClr val="bg1"/>
+                </a:solidFill>
+              </a:rPr>
+              <a:t>відвідати</a:t>
+            </a:r>
+            <a:r>
+              <a:rPr lang="ru-RU" dirty="0" smtClean="0">
+                <a:solidFill>
+                  <a:schemeClr val="bg1"/>
+                </a:solidFill>
+              </a:rPr>
+              <a:t> </a:t>
+            </a:r>
+            <a:r>
+              <a:rPr lang="ru-RU" dirty="0" err="1" smtClean="0">
+                <a:solidFill>
+                  <a:schemeClr val="bg1"/>
+                </a:solidFill>
+              </a:rPr>
+              <a:t>корінь</a:t>
+            </a:r>
+            <a:endParaRPr lang="ru-RU" dirty="0" smtClean="0">
+              <a:solidFill>
+                <a:schemeClr val="bg1"/>
+              </a:solidFill>
+            </a:endParaRPr>
+          </a:p>
+          <a:p>
+            <a:pPr marL="514350" indent="-514350">
+              <a:buAutoNum type="arabicPeriod"/>
+            </a:pPr>
+            <a:r>
+              <a:rPr lang="ru-RU" dirty="0" err="1" smtClean="0">
+                <a:solidFill>
+                  <a:schemeClr val="bg1"/>
+                </a:solidFill>
+              </a:rPr>
+              <a:t>відвідати</a:t>
+            </a:r>
+            <a:r>
+              <a:rPr lang="ru-RU" dirty="0" smtClean="0">
+                <a:solidFill>
+                  <a:schemeClr val="bg1"/>
+                </a:solidFill>
+              </a:rPr>
+              <a:t> </a:t>
+            </a:r>
+            <a:r>
+              <a:rPr lang="ru-RU" dirty="0" smtClean="0">
+                <a:solidFill>
+                  <a:schemeClr val="bg1"/>
+                </a:solidFill>
+              </a:rPr>
+              <a:t>праве </a:t>
+            </a:r>
+            <a:r>
+              <a:rPr lang="ru-RU" dirty="0" err="1" smtClean="0">
+                <a:solidFill>
+                  <a:schemeClr val="bg1"/>
+                </a:solidFill>
+              </a:rPr>
+              <a:t>піддерево</a:t>
+            </a:r>
+            <a:endParaRPr lang="ru-RU" dirty="0" smtClean="0">
+              <a:solidFill>
+                <a:schemeClr val="bg1"/>
+              </a:solidFill>
+            </a:endParaRPr>
+          </a:p>
+          <a:p>
+            <a:pPr>
+              <a:buNone/>
+            </a:pPr>
+            <a:r>
+              <a:rPr lang="ru-RU" dirty="0" smtClean="0">
+                <a:solidFill>
+                  <a:schemeClr val="bg1"/>
+                </a:solidFill>
+              </a:rPr>
+              <a:t>В такому порядку </a:t>
+            </a:r>
+            <a:r>
+              <a:rPr lang="ru-RU" dirty="0" err="1" smtClean="0">
+                <a:solidFill>
+                  <a:schemeClr val="bg1"/>
+                </a:solidFill>
+              </a:rPr>
+              <a:t>кожна</a:t>
+            </a:r>
+            <a:r>
+              <a:rPr lang="ru-RU" dirty="0" smtClean="0">
+                <a:solidFill>
+                  <a:schemeClr val="bg1"/>
+                </a:solidFill>
+              </a:rPr>
+              <a:t> вершина </a:t>
+            </a:r>
+            <a:r>
+              <a:rPr lang="ru-RU" dirty="0" err="1" smtClean="0">
+                <a:solidFill>
+                  <a:schemeClr val="bg1"/>
+                </a:solidFill>
+              </a:rPr>
+              <a:t>відвідується</a:t>
+            </a:r>
+            <a:r>
+              <a:rPr lang="ru-RU" dirty="0" smtClean="0">
+                <a:solidFill>
+                  <a:schemeClr val="bg1"/>
+                </a:solidFill>
+              </a:rPr>
+              <a:t> </a:t>
+            </a:r>
+            <a:r>
+              <a:rPr lang="ru-RU" dirty="0" err="1" smtClean="0">
+                <a:solidFill>
+                  <a:schemeClr val="bg1"/>
+                </a:solidFill>
+              </a:rPr>
+              <a:t>між</a:t>
+            </a:r>
+            <a:r>
+              <a:rPr lang="ru-RU" dirty="0" smtClean="0">
+                <a:solidFill>
+                  <a:schemeClr val="bg1"/>
+                </a:solidFill>
+              </a:rPr>
+              <a:t> </a:t>
+            </a:r>
+            <a:r>
+              <a:rPr lang="ru-RU" dirty="0" err="1" smtClean="0">
+                <a:solidFill>
+                  <a:schemeClr val="bg1"/>
+                </a:solidFill>
+              </a:rPr>
+              <a:t>відвіданням</a:t>
+            </a:r>
+            <a:r>
+              <a:rPr lang="ru-RU" dirty="0" smtClean="0">
+                <a:solidFill>
+                  <a:schemeClr val="bg1"/>
+                </a:solidFill>
+              </a:rPr>
+              <a:t> </a:t>
+            </a:r>
+            <a:r>
+              <a:rPr lang="ru-RU" dirty="0" err="1" smtClean="0">
+                <a:solidFill>
+                  <a:schemeClr val="bg1"/>
+                </a:solidFill>
+              </a:rPr>
+              <a:t>лівої</a:t>
+            </a:r>
+            <a:r>
+              <a:rPr lang="ru-RU" dirty="0" smtClean="0">
+                <a:solidFill>
+                  <a:schemeClr val="bg1"/>
+                </a:solidFill>
+              </a:rPr>
+              <a:t> та </a:t>
+            </a:r>
+            <a:r>
+              <a:rPr lang="ru-RU" dirty="0" err="1" smtClean="0">
+                <a:solidFill>
+                  <a:schemeClr val="bg1"/>
+                </a:solidFill>
+              </a:rPr>
+              <a:t>правої</a:t>
+            </a:r>
+            <a:r>
+              <a:rPr lang="ru-RU" dirty="0" smtClean="0">
+                <a:solidFill>
+                  <a:schemeClr val="bg1"/>
+                </a:solidFill>
+              </a:rPr>
+              <a:t> </a:t>
+            </a:r>
+            <a:r>
+              <a:rPr lang="ru-RU" dirty="0" err="1" smtClean="0">
+                <a:solidFill>
+                  <a:schemeClr val="bg1"/>
+                </a:solidFill>
+              </a:rPr>
+              <a:t>дитини</a:t>
+            </a:r>
+            <a:r>
+              <a:rPr lang="ru-RU" dirty="0" smtClean="0">
+                <a:solidFill>
+                  <a:schemeClr val="bg1"/>
+                </a:solidFill>
+              </a:rPr>
+              <a:t>. </a:t>
+            </a:r>
+            <a:r>
+              <a:rPr lang="ru-RU" dirty="0" err="1" smtClean="0">
+                <a:solidFill>
+                  <a:schemeClr val="bg1"/>
+                </a:solidFill>
+              </a:rPr>
+              <a:t>Такий</a:t>
+            </a:r>
+            <a:r>
+              <a:rPr lang="ru-RU" dirty="0" smtClean="0">
+                <a:solidFill>
+                  <a:schemeClr val="bg1"/>
+                </a:solidFill>
+              </a:rPr>
+              <a:t> порядок особливо часто </a:t>
+            </a:r>
+            <a:r>
+              <a:rPr lang="ru-RU" dirty="0" err="1" smtClean="0">
+                <a:solidFill>
+                  <a:schemeClr val="bg1"/>
+                </a:solidFill>
+              </a:rPr>
+              <a:t>застосовується</a:t>
+            </a:r>
+            <a:r>
+              <a:rPr lang="ru-RU" dirty="0" smtClean="0">
+                <a:solidFill>
+                  <a:schemeClr val="bg1"/>
+                </a:solidFill>
+              </a:rPr>
+              <a:t> в </a:t>
+            </a:r>
+            <a:r>
+              <a:rPr lang="ru-RU" dirty="0" err="1" smtClean="0">
+                <a:solidFill>
+                  <a:schemeClr val="bg1"/>
+                </a:solidFill>
+              </a:rPr>
+              <a:t>бінарних</a:t>
+            </a:r>
+            <a:r>
+              <a:rPr lang="ru-RU" dirty="0" smtClean="0">
+                <a:solidFill>
+                  <a:schemeClr val="bg1"/>
+                </a:solidFill>
+              </a:rPr>
+              <a:t> деревах </a:t>
+            </a:r>
+            <a:r>
+              <a:rPr lang="ru-RU" dirty="0" err="1" smtClean="0">
+                <a:solidFill>
+                  <a:schemeClr val="bg1"/>
+                </a:solidFill>
+              </a:rPr>
+              <a:t>пошуку</a:t>
+            </a:r>
+            <a:r>
+              <a:rPr lang="ru-RU" dirty="0" smtClean="0">
+                <a:solidFill>
+                  <a:schemeClr val="bg1"/>
+                </a:solidFill>
+              </a:rPr>
+              <a:t>, </a:t>
+            </a:r>
+            <a:r>
+              <a:rPr lang="ru-RU" dirty="0" smtClean="0">
+                <a:solidFill>
+                  <a:schemeClr val="bg1"/>
+                </a:solidFill>
+              </a:rPr>
+              <a:t>тому </a:t>
+            </a:r>
+            <a:r>
+              <a:rPr lang="ru-RU" dirty="0" err="1" smtClean="0">
+                <a:solidFill>
+                  <a:schemeClr val="bg1"/>
+                </a:solidFill>
+              </a:rPr>
+              <a:t>що</a:t>
+            </a:r>
+            <a:r>
+              <a:rPr lang="ru-RU" dirty="0" smtClean="0">
+                <a:solidFill>
+                  <a:schemeClr val="bg1"/>
+                </a:solidFill>
+              </a:rPr>
+              <a:t> </a:t>
+            </a:r>
+            <a:r>
+              <a:rPr lang="ru-RU" dirty="0" err="1" smtClean="0">
+                <a:solidFill>
+                  <a:schemeClr val="bg1"/>
+                </a:solidFill>
+              </a:rPr>
+              <a:t>дає</a:t>
+            </a:r>
+            <a:r>
+              <a:rPr lang="ru-RU" dirty="0" smtClean="0">
+                <a:solidFill>
+                  <a:schemeClr val="bg1"/>
+                </a:solidFill>
+              </a:rPr>
+              <a:t> </a:t>
+            </a:r>
+            <a:r>
+              <a:rPr lang="ru-RU" dirty="0" err="1" smtClean="0">
+                <a:solidFill>
+                  <a:schemeClr val="bg1"/>
+                </a:solidFill>
+              </a:rPr>
+              <a:t>можливість</a:t>
+            </a:r>
+            <a:r>
+              <a:rPr lang="ru-RU" dirty="0" smtClean="0">
+                <a:solidFill>
+                  <a:schemeClr val="bg1"/>
+                </a:solidFill>
+              </a:rPr>
+              <a:t> обходу вершин у порядку </a:t>
+            </a:r>
+            <a:r>
+              <a:rPr lang="ru-RU" dirty="0" err="1" smtClean="0">
+                <a:solidFill>
+                  <a:schemeClr val="bg1"/>
+                </a:solidFill>
+              </a:rPr>
+              <a:t>збільшення</a:t>
+            </a:r>
+            <a:r>
+              <a:rPr lang="ru-RU" dirty="0" smtClean="0">
+                <a:solidFill>
+                  <a:schemeClr val="bg1"/>
+                </a:solidFill>
+              </a:rPr>
+              <a:t> </a:t>
+            </a:r>
+            <a:r>
+              <a:rPr lang="ru-RU" dirty="0" err="1" smtClean="0">
+                <a:solidFill>
+                  <a:schemeClr val="bg1"/>
+                </a:solidFill>
+              </a:rPr>
+              <a:t>їхніх</a:t>
+            </a:r>
+            <a:r>
+              <a:rPr lang="ru-RU" dirty="0" smtClean="0">
+                <a:solidFill>
+                  <a:schemeClr val="bg1"/>
+                </a:solidFill>
+              </a:rPr>
+              <a:t> </a:t>
+            </a:r>
+            <a:r>
+              <a:rPr lang="ru-RU" dirty="0" err="1" smtClean="0">
+                <a:solidFill>
+                  <a:schemeClr val="bg1"/>
+                </a:solidFill>
+              </a:rPr>
+              <a:t>порядкових</a:t>
+            </a:r>
+            <a:r>
+              <a:rPr lang="ru-RU" dirty="0" smtClean="0">
+                <a:solidFill>
+                  <a:schemeClr val="bg1"/>
+                </a:solidFill>
+              </a:rPr>
+              <a:t> </a:t>
+            </a:r>
+            <a:r>
+              <a:rPr lang="ru-RU" dirty="0" err="1" smtClean="0">
+                <a:solidFill>
+                  <a:schemeClr val="bg1"/>
+                </a:solidFill>
+              </a:rPr>
+              <a:t>номерів</a:t>
+            </a:r>
+            <a:r>
+              <a:rPr lang="ru-RU" dirty="0" smtClean="0">
+                <a:solidFill>
+                  <a:schemeClr val="bg1"/>
+                </a:solidFill>
+              </a:rPr>
+              <a:t>.</a:t>
+            </a:r>
+            <a:endParaRPr lang="ru-RU" dirty="0">
+              <a:solidFill>
+                <a:schemeClr val="bg1"/>
+              </a:solidFill>
+            </a:endParaRPr>
+          </a:p>
+        </p:txBody>
+      </p:sp>
+      <p:pic>
+        <p:nvPicPr>
+          <p:cNvPr id="14" name="Picture 3" descr="C:\Users\Dimon\Desktop\7f3d0251cd5f42e8a0a1f3aec41da199.png"/>
+          <p:cNvPicPr>
+            <a:picLocks noChangeAspect="1" noChangeArrowheads="1"/>
+          </p:cNvPicPr>
+          <p:nvPr/>
+        </p:nvPicPr>
+        <p:blipFill>
+          <a:blip r:embed="rId5" cstate="print"/>
+          <a:srcRect/>
+          <a:stretch>
+            <a:fillRect/>
+          </a:stretch>
+        </p:blipFill>
+        <p:spPr bwMode="auto">
+          <a:xfrm>
+            <a:off x="71406" y="3226567"/>
+            <a:ext cx="4357718" cy="3631432"/>
+          </a:xfrm>
+          <a:prstGeom prst="rect">
+            <a:avLst/>
+          </a:prstGeom>
+          <a:noFill/>
+        </p:spPr>
+      </p:pic>
+      <p:sp>
+        <p:nvSpPr>
+          <p:cNvPr id="15" name="TextBox 14"/>
+          <p:cNvSpPr txBox="1"/>
+          <p:nvPr/>
+        </p:nvSpPr>
+        <p:spPr>
+          <a:xfrm>
+            <a:off x="4429124" y="3500438"/>
+            <a:ext cx="4572032" cy="1077218"/>
+          </a:xfrm>
+          <a:prstGeom prst="rect">
+            <a:avLst/>
+          </a:prstGeom>
+          <a:noFill/>
+        </p:spPr>
+        <p:txBody>
+          <a:bodyPr wrap="square" rtlCol="0">
+            <a:spAutoFit/>
+          </a:bodyPr>
+          <a:lstStyle/>
+          <a:p>
+            <a:r>
+              <a:rPr lang="uk-UA" sz="3200" b="1" dirty="0" smtClean="0">
+                <a:solidFill>
+                  <a:schemeClr val="bg1"/>
+                </a:solidFill>
+              </a:rPr>
+              <a:t>Симетричний порядок: </a:t>
+            </a:r>
+          </a:p>
+          <a:p>
+            <a:r>
+              <a:rPr lang="uk-UA" sz="3200" b="1" dirty="0" smtClean="0">
+                <a:solidFill>
+                  <a:schemeClr val="bg1"/>
+                </a:solidFill>
+              </a:rPr>
+              <a:t>1, 3, 4, 6, 7, 8, 10, 13, 14</a:t>
+            </a:r>
+            <a:endParaRPr lang="ru-RU" sz="3200" b="1" dirty="0">
+              <a:solidFill>
+                <a:schemeClr val="bg1"/>
+              </a:solidFill>
+            </a:endParaRPr>
+          </a:p>
+        </p:txBody>
+      </p:sp>
+    </p:spTree>
+  </p:cSld>
+  <p:clrMapOvr>
+    <a:masterClrMapping/>
+  </p:clrMapOvr>
+</p:sld>
+</file>
+
+<file path=ppt/slides/slide7.xml><?xml version="1.0" encoding="utf-8"?>
+<p:sld xmlns:a="http://schemas.openxmlformats.org/drawingml/2006/main" xmlns:r="http://schemas.openxmlformats.org/officeDocument/2006/relationships" xmlns:p="http://schemas.openxmlformats.org/presentationml/2006/main">
+  <p:cSld>
+    <p:spTree>
+      <p:nvGrpSpPr>
+        <p:cNvPr id="1" name=""/>
+        <p:cNvGrpSpPr/>
+        <p:nvPr/>
+      </p:nvGrpSpPr>
+      <p:grpSpPr>
+        <a:xfrm>
+          <a:off x="0" y="0"/>
+          <a:ext cx="0" cy="0"/>
+          <a:chOff x="0" y="0"/>
+          <a:chExt cx="0" cy="0"/>
+        </a:xfrm>
+      </p:grpSpPr>
+      <p:pic>
+        <p:nvPicPr>
+          <p:cNvPr id="4" name="Shape 84"/>
+          <p:cNvPicPr preferRelativeResize="0"/>
+          <p:nvPr/>
+        </p:nvPicPr>
+        <p:blipFill>
+          <a:blip r:embed="rId2">
+            <a:alphaModFix/>
+          </a:blip>
+          <a:stretch>
+            <a:fillRect/>
+          </a:stretch>
+        </p:blipFill>
+        <p:spPr>
+          <a:xfrm>
+            <a:off x="0" y="0"/>
+            <a:ext cx="9144000" cy="6858000"/>
+          </a:xfrm>
+          <a:prstGeom prst="rect">
+            <a:avLst/>
+          </a:prstGeom>
+          <a:noFill/>
+          <a:ln>
+            <a:noFill/>
+          </a:ln>
+        </p:spPr>
+      </p:pic>
+      <p:pic>
+        <p:nvPicPr>
+          <p:cNvPr id="5" name="Picture 2" descr="C:\Users\Dimon\Desktop\logo.png"/>
+          <p:cNvPicPr>
+            <a:picLocks noChangeAspect="1" noChangeArrowheads="1"/>
+          </p:cNvPicPr>
+          <p:nvPr/>
+        </p:nvPicPr>
+        <p:blipFill>
+          <a:blip r:embed="rId3" cstate="print"/>
+          <a:srcRect/>
+          <a:stretch>
+            <a:fillRect/>
+          </a:stretch>
+        </p:blipFill>
+        <p:spPr bwMode="auto">
+          <a:xfrm>
+            <a:off x="8215306" y="5923626"/>
+            <a:ext cx="928694" cy="934374"/>
+          </a:xfrm>
+          <a:prstGeom prst="rect">
+            <a:avLst/>
+          </a:prstGeom>
+          <a:noFill/>
+        </p:spPr>
+      </p:pic>
+      <p:sp>
+        <p:nvSpPr>
+          <p:cNvPr id="6" name="Прямоугольник 5"/>
+          <p:cNvSpPr/>
+          <p:nvPr/>
+        </p:nvSpPr>
+        <p:spPr>
+          <a:xfrm>
+            <a:off x="0" y="0"/>
+            <a:ext cx="2565400" cy="801291"/>
+          </a:xfrm>
+          <a:prstGeom prst="rect">
+            <a:avLst/>
+          </a:prstGeom>
+          <a:solidFill>
+            <a:schemeClr val="bg1"/>
+          </a:solidFill>
+          <a:ln>
+            <a:solidFill>
+              <a:schemeClr val="bg1"/>
+            </a:solidFill>
+          </a:ln>
+        </p:spPr>
+        <p:style>
+          <a:lnRef idx="2">
+            <a:schemeClr val="accent1">
+              <a:shade val="50000"/>
+            </a:schemeClr>
+          </a:lnRef>
+          <a:fillRef idx="1">
+            <a:schemeClr val="accent1"/>
+          </a:fillRef>
+          <a:effectRef idx="0">
+            <a:schemeClr val="accent1"/>
+          </a:effectRef>
+          <a:fontRef idx="minor">
+            <a:schemeClr val="lt1"/>
+          </a:fontRef>
+        </p:style>
+        <p:txBody>
+          <a:bodyPr rtlCol="0" anchor="ctr"/>
+          <a:lstStyle/>
+          <a:p>
+            <a:pPr algn="ctr"/>
+            <a:endParaRPr lang="ru-RU" sz="1050"/>
+          </a:p>
+        </p:txBody>
+      </p:sp>
+      <p:pic>
+        <p:nvPicPr>
+          <p:cNvPr id="7" name="Рисунок 6"/>
+          <p:cNvPicPr>
+            <a:picLocks noChangeAspect="1"/>
+          </p:cNvPicPr>
+          <p:nvPr/>
+        </p:nvPicPr>
+        <p:blipFill>
+          <a:blip r:embed="rId4" cstate="print">
+            <a:extLst>
+              <a:ext uri="{28A0092B-C50C-407E-A947-70E740481C1C}">
+                <a14:useLocalDpi xmlns="" xmlns:a14="http://schemas.microsoft.com/office/drawing/2010/main" val="0"/>
+              </a:ext>
+            </a:extLst>
+          </a:blip>
+          <a:stretch>
+            <a:fillRect/>
+          </a:stretch>
+        </p:blipFill>
+        <p:spPr>
+          <a:xfrm>
+            <a:off x="114168" y="50891"/>
+            <a:ext cx="2356667" cy="709289"/>
+          </a:xfrm>
+          <a:prstGeom prst="rect">
+            <a:avLst/>
+          </a:prstGeom>
+        </p:spPr>
+      </p:pic>
+      <p:pic>
+        <p:nvPicPr>
+          <p:cNvPr id="8" name="Shape 84"/>
+          <p:cNvPicPr preferRelativeResize="0"/>
+          <p:nvPr/>
+        </p:nvPicPr>
+        <p:blipFill>
+          <a:blip r:embed="rId2">
+            <a:alphaModFix/>
+          </a:blip>
+          <a:stretch>
+            <a:fillRect/>
+          </a:stretch>
+        </p:blipFill>
+        <p:spPr>
+          <a:xfrm>
+            <a:off x="0" y="0"/>
+            <a:ext cx="9144000" cy="6858000"/>
+          </a:xfrm>
+          <a:prstGeom prst="rect">
+            <a:avLst/>
+          </a:prstGeom>
+          <a:noFill/>
+          <a:ln>
+            <a:noFill/>
+          </a:ln>
+        </p:spPr>
+      </p:pic>
+      <p:pic>
+        <p:nvPicPr>
+          <p:cNvPr id="9" name="Picture 2" descr="C:\Users\Dimon\Desktop\logo.png"/>
+          <p:cNvPicPr>
+            <a:picLocks noChangeAspect="1" noChangeArrowheads="1"/>
+          </p:cNvPicPr>
+          <p:nvPr/>
+        </p:nvPicPr>
+        <p:blipFill>
+          <a:blip r:embed="rId3" cstate="print"/>
+          <a:srcRect/>
+          <a:stretch>
+            <a:fillRect/>
+          </a:stretch>
+        </p:blipFill>
+        <p:spPr bwMode="auto">
+          <a:xfrm>
+            <a:off x="8215306" y="5923626"/>
+            <a:ext cx="928694" cy="934374"/>
+          </a:xfrm>
+          <a:prstGeom prst="rect">
+            <a:avLst/>
+          </a:prstGeom>
+          <a:noFill/>
+        </p:spPr>
+      </p:pic>
+      <p:sp>
+        <p:nvSpPr>
+          <p:cNvPr id="10" name="Прямоугольник 9"/>
+          <p:cNvSpPr/>
+          <p:nvPr/>
+        </p:nvSpPr>
+        <p:spPr>
+          <a:xfrm>
+            <a:off x="0" y="0"/>
+            <a:ext cx="2565400" cy="801291"/>
+          </a:xfrm>
+          <a:prstGeom prst="rect">
+            <a:avLst/>
+          </a:prstGeom>
+          <a:solidFill>
+            <a:schemeClr val="bg1"/>
+          </a:solidFill>
+          <a:ln>
+            <a:solidFill>
+              <a:schemeClr val="bg1"/>
+            </a:solidFill>
+          </a:ln>
+        </p:spPr>
+        <p:style>
+          <a:lnRef idx="2">
+            <a:schemeClr val="accent1">
+              <a:shade val="50000"/>
+            </a:schemeClr>
+          </a:lnRef>
+          <a:fillRef idx="1">
+            <a:schemeClr val="accent1"/>
+          </a:fillRef>
+          <a:effectRef idx="0">
+            <a:schemeClr val="accent1"/>
+          </a:effectRef>
+          <a:fontRef idx="minor">
+            <a:schemeClr val="lt1"/>
+          </a:fontRef>
+        </p:style>
+        <p:txBody>
+          <a:bodyPr rtlCol="0" anchor="ctr"/>
+          <a:lstStyle/>
+          <a:p>
+            <a:pPr algn="ctr"/>
+            <a:endParaRPr lang="ru-RU" sz="1050"/>
+          </a:p>
+        </p:txBody>
+      </p:sp>
+      <p:pic>
+        <p:nvPicPr>
+          <p:cNvPr id="11" name="Рисунок 10"/>
+          <p:cNvPicPr>
+            <a:picLocks noChangeAspect="1"/>
+          </p:cNvPicPr>
+          <p:nvPr/>
+        </p:nvPicPr>
+        <p:blipFill>
+          <a:blip r:embed="rId4" cstate="print">
+            <a:extLst>
+              <a:ext uri="{28A0092B-C50C-407E-A947-70E740481C1C}">
+                <a14:useLocalDpi xmlns="" xmlns:a14="http://schemas.microsoft.com/office/drawing/2010/main" val="0"/>
+              </a:ext>
+            </a:extLst>
+          </a:blip>
+          <a:stretch>
+            <a:fillRect/>
+          </a:stretch>
+        </p:blipFill>
+        <p:spPr>
+          <a:xfrm>
+            <a:off x="114168" y="50891"/>
+            <a:ext cx="2356667" cy="709289"/>
+          </a:xfrm>
+          <a:prstGeom prst="rect">
+            <a:avLst/>
+          </a:prstGeom>
+        </p:spPr>
+      </p:pic>
+      <p:pic>
+        <p:nvPicPr>
+          <p:cNvPr id="12" name="Shape 84"/>
+          <p:cNvPicPr preferRelativeResize="0"/>
+          <p:nvPr/>
+        </p:nvPicPr>
+        <p:blipFill>
+          <a:blip r:embed="rId2">
+            <a:alphaModFix/>
+          </a:blip>
+          <a:stretch>
+            <a:fillRect/>
+          </a:stretch>
+        </p:blipFill>
+        <p:spPr>
+          <a:xfrm>
+            <a:off x="0" y="0"/>
+            <a:ext cx="9144000" cy="6858000"/>
+          </a:xfrm>
+          <a:prstGeom prst="rect">
+            <a:avLst/>
+          </a:prstGeom>
+          <a:noFill/>
+          <a:ln>
+            <a:noFill/>
+          </a:ln>
+        </p:spPr>
+      </p:pic>
+      <p:pic>
+        <p:nvPicPr>
+          <p:cNvPr id="13" name="Picture 2" descr="C:\Users\Dimon\Desktop\logo.png"/>
+          <p:cNvPicPr>
+            <a:picLocks noChangeAspect="1" noChangeArrowheads="1"/>
+          </p:cNvPicPr>
+          <p:nvPr/>
+        </p:nvPicPr>
+        <p:blipFill>
+          <a:blip r:embed="rId3" cstate="print"/>
+          <a:srcRect/>
+          <a:stretch>
+            <a:fillRect/>
+          </a:stretch>
+        </p:blipFill>
+        <p:spPr bwMode="auto">
+          <a:xfrm>
+            <a:off x="8215306" y="5923626"/>
+            <a:ext cx="928694" cy="934374"/>
+          </a:xfrm>
+          <a:prstGeom prst="rect">
+            <a:avLst/>
+          </a:prstGeom>
+          <a:noFill/>
+        </p:spPr>
+      </p:pic>
+      <p:sp>
+        <p:nvSpPr>
+          <p:cNvPr id="14" name="Прямоугольник 13"/>
+          <p:cNvSpPr/>
+          <p:nvPr/>
+        </p:nvSpPr>
+        <p:spPr>
+          <a:xfrm>
+            <a:off x="0" y="0"/>
+            <a:ext cx="2565400" cy="801291"/>
+          </a:xfrm>
+          <a:prstGeom prst="rect">
+            <a:avLst/>
+          </a:prstGeom>
+          <a:solidFill>
+            <a:schemeClr val="bg1"/>
+          </a:solidFill>
+          <a:ln>
+            <a:solidFill>
+              <a:schemeClr val="bg1"/>
+            </a:solidFill>
+          </a:ln>
+        </p:spPr>
+        <p:style>
+          <a:lnRef idx="2">
+            <a:schemeClr val="accent1">
+              <a:shade val="50000"/>
+            </a:schemeClr>
+          </a:lnRef>
+          <a:fillRef idx="1">
+            <a:schemeClr val="accent1"/>
+          </a:fillRef>
+          <a:effectRef idx="0">
+            <a:schemeClr val="accent1"/>
+          </a:effectRef>
+          <a:fontRef idx="minor">
+            <a:schemeClr val="lt1"/>
+          </a:fontRef>
+        </p:style>
+        <p:txBody>
+          <a:bodyPr rtlCol="0" anchor="ctr"/>
+          <a:lstStyle/>
+          <a:p>
+            <a:pPr algn="ctr"/>
+            <a:endParaRPr lang="ru-RU" sz="1050"/>
+          </a:p>
+        </p:txBody>
+      </p:sp>
+      <p:pic>
+        <p:nvPicPr>
+          <p:cNvPr id="15" name="Рисунок 14"/>
+          <p:cNvPicPr>
+            <a:picLocks noChangeAspect="1"/>
+          </p:cNvPicPr>
+          <p:nvPr/>
+        </p:nvPicPr>
+        <p:blipFill>
+          <a:blip r:embed="rId4" cstate="print">
+            <a:extLst>
+              <a:ext uri="{28A0092B-C50C-407E-A947-70E740481C1C}">
+                <a14:useLocalDpi xmlns="" xmlns:a14="http://schemas.microsoft.com/office/drawing/2010/main" val="0"/>
+              </a:ext>
+            </a:extLst>
+          </a:blip>
+          <a:stretch>
+            <a:fillRect/>
+          </a:stretch>
+        </p:blipFill>
+        <p:spPr>
+          <a:xfrm>
+            <a:off x="114168" y="50891"/>
+            <a:ext cx="2356667" cy="709289"/>
+          </a:xfrm>
+          <a:prstGeom prst="rect">
+            <a:avLst/>
+          </a:prstGeom>
+        </p:spPr>
+      </p:pic>
+      <p:sp>
+        <p:nvSpPr>
+          <p:cNvPr id="16" name="Заголовок 7"/>
+          <p:cNvSpPr>
+            <a:spLocks noGrp="1"/>
+          </p:cNvSpPr>
+          <p:nvPr>
+            <p:ph type="title"/>
+          </p:nvPr>
+        </p:nvSpPr>
+        <p:spPr>
+          <a:xfrm>
+            <a:off x="2571736" y="142852"/>
+            <a:ext cx="6357982" cy="654032"/>
+          </a:xfrm>
+        </p:spPr>
+        <p:txBody>
+          <a:bodyPr>
+            <a:normAutofit fontScale="90000"/>
+          </a:bodyPr>
+          <a:lstStyle/>
+          <a:p>
+            <a:r>
+              <a:rPr lang="uk-UA" b="1" dirty="0" smtClean="0">
+                <a:solidFill>
+                  <a:schemeClr val="bg1"/>
+                </a:solidFill>
+              </a:rPr>
+              <a:t>Зворотній порядок</a:t>
+            </a:r>
+            <a:endParaRPr lang="ru-RU" b="1" dirty="0">
+              <a:solidFill>
+                <a:schemeClr val="bg1"/>
+              </a:solidFill>
+            </a:endParaRPr>
+          </a:p>
+        </p:txBody>
+      </p:sp>
+      <p:sp>
+        <p:nvSpPr>
+          <p:cNvPr id="17" name="Содержимое 8"/>
+          <p:cNvSpPr>
+            <a:spLocks noGrp="1"/>
+          </p:cNvSpPr>
+          <p:nvPr>
+            <p:ph idx="1"/>
+          </p:nvPr>
+        </p:nvSpPr>
+        <p:spPr>
+          <a:xfrm>
+            <a:off x="0" y="857233"/>
+            <a:ext cx="9144000" cy="2500329"/>
+          </a:xfrm>
+        </p:spPr>
+        <p:txBody>
+          <a:bodyPr>
+            <a:normAutofit fontScale="85000" lnSpcReduction="20000"/>
+          </a:bodyPr>
+          <a:lstStyle/>
+          <a:p>
+            <a:pPr>
+              <a:buNone/>
+            </a:pPr>
+            <a:r>
+              <a:rPr lang="ru-RU" b="1" dirty="0" err="1" smtClean="0">
+                <a:solidFill>
+                  <a:schemeClr val="bg1"/>
+                </a:solidFill>
+              </a:rPr>
+              <a:t>Зворотній</a:t>
+            </a:r>
+            <a:r>
+              <a:rPr lang="ru-RU" b="1" dirty="0" smtClean="0">
+                <a:solidFill>
+                  <a:schemeClr val="bg1"/>
+                </a:solidFill>
+              </a:rPr>
+              <a:t> </a:t>
+            </a:r>
+            <a:r>
+              <a:rPr lang="ru-RU" b="1" dirty="0" smtClean="0">
+                <a:solidFill>
+                  <a:schemeClr val="bg1"/>
+                </a:solidFill>
+              </a:rPr>
+              <a:t>порядок</a:t>
+            </a:r>
+            <a:r>
+              <a:rPr lang="ru-RU" dirty="0" smtClean="0">
+                <a:solidFill>
+                  <a:schemeClr val="bg1"/>
+                </a:solidFill>
+              </a:rPr>
+              <a:t> </a:t>
+            </a:r>
+            <a:r>
+              <a:rPr lang="ru-RU" dirty="0" smtClean="0">
+                <a:solidFill>
+                  <a:schemeClr val="bg1"/>
+                </a:solidFill>
+              </a:rPr>
+              <a:t>(</a:t>
+            </a:r>
+            <a:r>
+              <a:rPr lang="en-US" dirty="0" err="1" smtClean="0">
+                <a:solidFill>
+                  <a:schemeClr val="bg1"/>
+                </a:solidFill>
+              </a:rPr>
+              <a:t>postorder</a:t>
+            </a:r>
+            <a:r>
+              <a:rPr lang="en-US" dirty="0" smtClean="0">
+                <a:solidFill>
+                  <a:schemeClr val="bg1"/>
+                </a:solidFill>
+              </a:rPr>
+              <a:t>) </a:t>
+            </a:r>
+            <a:r>
+              <a:rPr lang="ru-RU" dirty="0" err="1" smtClean="0">
+                <a:solidFill>
+                  <a:schemeClr val="bg1"/>
+                </a:solidFill>
+              </a:rPr>
+              <a:t>наступної</a:t>
+            </a:r>
+            <a:r>
+              <a:rPr lang="ru-RU" dirty="0" smtClean="0">
+                <a:solidFill>
+                  <a:schemeClr val="bg1"/>
+                </a:solidFill>
+              </a:rPr>
+              <a:t> </a:t>
+            </a:r>
+            <a:r>
+              <a:rPr lang="ru-RU" dirty="0" err="1" smtClean="0">
+                <a:solidFill>
+                  <a:schemeClr val="bg1"/>
+                </a:solidFill>
+              </a:rPr>
+              <a:t>послідовності</a:t>
+            </a:r>
+            <a:r>
+              <a:rPr lang="ru-RU" dirty="0" smtClean="0">
+                <a:solidFill>
+                  <a:schemeClr val="bg1"/>
+                </a:solidFill>
+              </a:rPr>
+              <a:t>:</a:t>
+            </a:r>
+          </a:p>
+          <a:p>
+            <a:pPr marL="514350" indent="-514350">
+              <a:buAutoNum type="arabicPeriod"/>
+            </a:pPr>
+            <a:r>
+              <a:rPr lang="ru-RU" dirty="0" err="1" smtClean="0">
+                <a:solidFill>
+                  <a:schemeClr val="bg1"/>
+                </a:solidFill>
+              </a:rPr>
+              <a:t>відвідати</a:t>
+            </a:r>
+            <a:r>
+              <a:rPr lang="ru-RU" dirty="0" smtClean="0">
+                <a:solidFill>
+                  <a:schemeClr val="bg1"/>
+                </a:solidFill>
+              </a:rPr>
+              <a:t> </a:t>
+            </a:r>
+            <a:r>
+              <a:rPr lang="ru-RU" dirty="0" err="1" smtClean="0">
+                <a:solidFill>
+                  <a:schemeClr val="bg1"/>
+                </a:solidFill>
+              </a:rPr>
+              <a:t>ліве</a:t>
+            </a:r>
+            <a:r>
+              <a:rPr lang="ru-RU" dirty="0" smtClean="0">
+                <a:solidFill>
+                  <a:schemeClr val="bg1"/>
+                </a:solidFill>
+              </a:rPr>
+              <a:t> </a:t>
+            </a:r>
+            <a:r>
+              <a:rPr lang="ru-RU" dirty="0" err="1" smtClean="0">
+                <a:solidFill>
+                  <a:schemeClr val="bg1"/>
+                </a:solidFill>
+              </a:rPr>
+              <a:t>піддерево</a:t>
+            </a:r>
+            <a:endParaRPr lang="ru-RU" dirty="0" smtClean="0">
+              <a:solidFill>
+                <a:schemeClr val="bg1"/>
+              </a:solidFill>
+            </a:endParaRPr>
+          </a:p>
+          <a:p>
+            <a:pPr marL="514350" indent="-514350">
+              <a:buFont typeface="Arial" pitchFamily="34" charset="0"/>
+              <a:buAutoNum type="arabicPeriod"/>
+            </a:pPr>
+            <a:r>
+              <a:rPr lang="ru-RU" dirty="0" err="1" smtClean="0">
+                <a:solidFill>
+                  <a:schemeClr val="bg1"/>
+                </a:solidFill>
+              </a:rPr>
+              <a:t>відвідати</a:t>
+            </a:r>
+            <a:r>
+              <a:rPr lang="ru-RU" dirty="0" smtClean="0">
+                <a:solidFill>
+                  <a:schemeClr val="bg1"/>
+                </a:solidFill>
+              </a:rPr>
+              <a:t> </a:t>
+            </a:r>
+            <a:r>
+              <a:rPr lang="ru-RU" dirty="0" smtClean="0">
+                <a:solidFill>
+                  <a:schemeClr val="bg1"/>
+                </a:solidFill>
+              </a:rPr>
+              <a:t>праве </a:t>
+            </a:r>
+            <a:r>
+              <a:rPr lang="ru-RU" dirty="0" err="1" smtClean="0">
+                <a:solidFill>
+                  <a:schemeClr val="bg1"/>
+                </a:solidFill>
+              </a:rPr>
+              <a:t>піддерево</a:t>
+            </a:r>
+            <a:endParaRPr lang="ru-RU" dirty="0" smtClean="0">
+              <a:solidFill>
+                <a:schemeClr val="bg1"/>
+              </a:solidFill>
+            </a:endParaRPr>
+          </a:p>
+          <a:p>
+            <a:pPr marL="514350" indent="-514350">
+              <a:buAutoNum type="arabicPeriod"/>
+            </a:pPr>
+            <a:r>
+              <a:rPr lang="ru-RU" dirty="0" err="1" smtClean="0">
+                <a:solidFill>
+                  <a:schemeClr val="bg1"/>
+                </a:solidFill>
+              </a:rPr>
+              <a:t>відвідати</a:t>
+            </a:r>
+            <a:r>
+              <a:rPr lang="ru-RU" dirty="0" smtClean="0">
+                <a:solidFill>
+                  <a:schemeClr val="bg1"/>
+                </a:solidFill>
+              </a:rPr>
+              <a:t> </a:t>
+            </a:r>
+            <a:r>
+              <a:rPr lang="ru-RU" dirty="0" err="1" smtClean="0">
+                <a:solidFill>
+                  <a:schemeClr val="bg1"/>
+                </a:solidFill>
+              </a:rPr>
+              <a:t>корінь</a:t>
+            </a:r>
+            <a:r>
+              <a:rPr lang="ru-RU" dirty="0" smtClean="0">
+                <a:solidFill>
+                  <a:schemeClr val="bg1"/>
+                </a:solidFill>
+              </a:rPr>
+              <a:t> </a:t>
+            </a:r>
+            <a:endParaRPr lang="ru-RU" dirty="0" smtClean="0">
+              <a:solidFill>
+                <a:schemeClr val="bg1"/>
+              </a:solidFill>
+            </a:endParaRPr>
+          </a:p>
+          <a:p>
+            <a:pPr marL="514350" indent="-514350">
+              <a:buNone/>
+            </a:pPr>
+            <a:r>
+              <a:rPr lang="ru-RU" dirty="0" err="1" smtClean="0">
+                <a:solidFill>
+                  <a:schemeClr val="bg1"/>
+                </a:solidFill>
+              </a:rPr>
+              <a:t>Тобто</a:t>
+            </a:r>
+            <a:r>
+              <a:rPr lang="ru-RU" dirty="0" smtClean="0">
+                <a:solidFill>
+                  <a:schemeClr val="bg1"/>
+                </a:solidFill>
+              </a:rPr>
+              <a:t>, в такому порядку </a:t>
+            </a:r>
+            <a:r>
+              <a:rPr lang="ru-RU" dirty="0" err="1" smtClean="0">
+                <a:solidFill>
+                  <a:schemeClr val="bg1"/>
+                </a:solidFill>
+              </a:rPr>
+              <a:t>кожна</a:t>
+            </a:r>
+            <a:r>
+              <a:rPr lang="ru-RU" dirty="0" smtClean="0">
+                <a:solidFill>
+                  <a:schemeClr val="bg1"/>
+                </a:solidFill>
+              </a:rPr>
+              <a:t> вершина </a:t>
+            </a:r>
+            <a:r>
+              <a:rPr lang="ru-RU" dirty="0" err="1" smtClean="0">
+                <a:solidFill>
+                  <a:schemeClr val="bg1"/>
+                </a:solidFill>
+              </a:rPr>
+              <a:t>відвідується</a:t>
+            </a:r>
+            <a:r>
+              <a:rPr lang="ru-RU" dirty="0" smtClean="0">
+                <a:solidFill>
+                  <a:schemeClr val="bg1"/>
+                </a:solidFill>
+              </a:rPr>
+              <a:t> </a:t>
+            </a:r>
+            <a:r>
+              <a:rPr lang="ru-RU" dirty="0" err="1" smtClean="0">
+                <a:solidFill>
+                  <a:schemeClr val="bg1"/>
+                </a:solidFill>
+              </a:rPr>
+              <a:t>лише</a:t>
+            </a:r>
+            <a:r>
+              <a:rPr lang="ru-RU" dirty="0" smtClean="0">
+                <a:solidFill>
+                  <a:schemeClr val="bg1"/>
+                </a:solidFill>
+              </a:rPr>
+              <a:t> </a:t>
+            </a:r>
+            <a:r>
+              <a:rPr lang="ru-RU" dirty="0" err="1" smtClean="0">
+                <a:solidFill>
+                  <a:schemeClr val="bg1"/>
+                </a:solidFill>
+              </a:rPr>
+              <a:t>після</a:t>
+            </a:r>
+            <a:r>
+              <a:rPr lang="ru-RU" dirty="0" smtClean="0">
+                <a:solidFill>
+                  <a:schemeClr val="bg1"/>
+                </a:solidFill>
+              </a:rPr>
+              <a:t> того, як </a:t>
+            </a:r>
+            <a:r>
+              <a:rPr lang="ru-RU" dirty="0" err="1" smtClean="0">
+                <a:solidFill>
+                  <a:schemeClr val="bg1"/>
+                </a:solidFill>
+              </a:rPr>
+              <a:t>будуть</a:t>
+            </a:r>
+            <a:r>
+              <a:rPr lang="ru-RU" dirty="0" smtClean="0">
+                <a:solidFill>
+                  <a:schemeClr val="bg1"/>
+                </a:solidFill>
+              </a:rPr>
+              <a:t> </a:t>
+            </a:r>
+            <a:r>
+              <a:rPr lang="ru-RU" dirty="0" err="1" smtClean="0">
+                <a:solidFill>
+                  <a:schemeClr val="bg1"/>
+                </a:solidFill>
+              </a:rPr>
+              <a:t>відвідані</a:t>
+            </a:r>
+            <a:r>
+              <a:rPr lang="ru-RU" dirty="0" smtClean="0">
+                <a:solidFill>
+                  <a:schemeClr val="bg1"/>
+                </a:solidFill>
+              </a:rPr>
+              <a:t> </a:t>
+            </a:r>
+            <a:r>
+              <a:rPr lang="ru-RU" dirty="0" err="1" smtClean="0">
+                <a:solidFill>
+                  <a:schemeClr val="bg1"/>
+                </a:solidFill>
+              </a:rPr>
+              <a:t>її</a:t>
+            </a:r>
+            <a:r>
+              <a:rPr lang="ru-RU" dirty="0" smtClean="0">
+                <a:solidFill>
+                  <a:schemeClr val="bg1"/>
+                </a:solidFill>
+              </a:rPr>
+              <a:t> </a:t>
+            </a:r>
+            <a:r>
+              <a:rPr lang="ru-RU" dirty="0" err="1" smtClean="0">
+                <a:solidFill>
+                  <a:schemeClr val="bg1"/>
+                </a:solidFill>
+              </a:rPr>
+              <a:t>діти</a:t>
+            </a:r>
+            <a:r>
+              <a:rPr lang="ru-RU" dirty="0" smtClean="0">
+                <a:solidFill>
+                  <a:schemeClr val="bg1"/>
+                </a:solidFill>
+              </a:rPr>
+              <a:t>.</a:t>
+            </a:r>
+            <a:endParaRPr lang="ru-RU" dirty="0">
+              <a:solidFill>
+                <a:schemeClr val="bg1"/>
+              </a:solidFill>
+            </a:endParaRPr>
+          </a:p>
+        </p:txBody>
+      </p:sp>
+      <p:pic>
+        <p:nvPicPr>
+          <p:cNvPr id="18" name="Picture 3" descr="C:\Users\Dimon\Desktop\7f3d0251cd5f42e8a0a1f3aec41da199.png"/>
+          <p:cNvPicPr>
+            <a:picLocks noChangeAspect="1" noChangeArrowheads="1"/>
+          </p:cNvPicPr>
+          <p:nvPr/>
+        </p:nvPicPr>
+        <p:blipFill>
+          <a:blip r:embed="rId5" cstate="print"/>
+          <a:srcRect/>
+          <a:stretch>
+            <a:fillRect/>
+          </a:stretch>
+        </p:blipFill>
+        <p:spPr bwMode="auto">
+          <a:xfrm>
+            <a:off x="71406" y="3226567"/>
+            <a:ext cx="4357718" cy="3631432"/>
+          </a:xfrm>
+          <a:prstGeom prst="rect">
+            <a:avLst/>
+          </a:prstGeom>
+          <a:noFill/>
+        </p:spPr>
+      </p:pic>
+      <p:sp>
+        <p:nvSpPr>
+          <p:cNvPr id="19" name="TextBox 18"/>
+          <p:cNvSpPr txBox="1"/>
+          <p:nvPr/>
+        </p:nvSpPr>
+        <p:spPr>
+          <a:xfrm>
+            <a:off x="4429124" y="3500438"/>
+            <a:ext cx="4572032" cy="1077218"/>
+          </a:xfrm>
+          <a:prstGeom prst="rect">
+            <a:avLst/>
+          </a:prstGeom>
+          <a:noFill/>
+        </p:spPr>
+        <p:txBody>
+          <a:bodyPr wrap="square" rtlCol="0">
+            <a:spAutoFit/>
+          </a:bodyPr>
+          <a:lstStyle/>
+          <a:p>
+            <a:r>
+              <a:rPr lang="uk-UA" sz="3200" b="1" dirty="0" smtClean="0">
+                <a:solidFill>
+                  <a:schemeClr val="bg1"/>
+                </a:solidFill>
+              </a:rPr>
+              <a:t>Зворотній порядок: </a:t>
+            </a:r>
+          </a:p>
+          <a:p>
+            <a:r>
+              <a:rPr lang="en-US" sz="3200" b="1" dirty="0" smtClean="0">
+                <a:solidFill>
+                  <a:schemeClr val="bg1"/>
+                </a:solidFill>
+              </a:rPr>
+              <a:t>1</a:t>
+            </a:r>
+            <a:r>
+              <a:rPr lang="uk-UA" sz="3200" b="1" dirty="0" smtClean="0">
+                <a:solidFill>
+                  <a:schemeClr val="bg1"/>
+                </a:solidFill>
+              </a:rPr>
+              <a:t>, 4, 7, 6, 3, 13, 10, 8</a:t>
+            </a:r>
+            <a:endParaRPr lang="ru-RU" sz="3200" b="1" dirty="0">
+              <a:solidFill>
+                <a:schemeClr val="bg1"/>
+              </a:solidFill>
+            </a:endParaRPr>
+          </a:p>
+        </p:txBody>
+      </p:sp>
+    </p:spTree>
+  </p:cSld>
+  <p:clrMapOvr>
+    <a:masterClrMapping/>
+  </p:clrMapOvr>
+</p:sld>
+</file>
+
+<file path=ppt/slides/slide8.xml><?xml version="1.0" encoding="utf-8"?>
+<p:sld xmlns:a="http://schemas.openxmlformats.org/drawingml/2006/main" xmlns:r="http://schemas.openxmlformats.org/officeDocument/2006/relationships" xmlns:p="http://schemas.openxmlformats.org/presentationml/2006/main">
+  <p:cSld>
+    <p:spTree>
+      <p:nvGrpSpPr>
+        <p:cNvPr id="1" name=""/>
+        <p:cNvGrpSpPr/>
+        <p:nvPr/>
+      </p:nvGrpSpPr>
+      <p:grpSpPr>
+        <a:xfrm>
+          <a:off x="0" y="0"/>
+          <a:ext cx="0" cy="0"/>
+          <a:chOff x="0" y="0"/>
+          <a:chExt cx="0" cy="0"/>
+        </a:xfrm>
+      </p:grpSpPr>
+      <p:pic>
+        <p:nvPicPr>
+          <p:cNvPr id="4" name="Shape 84"/>
+          <p:cNvPicPr preferRelativeResize="0"/>
+          <p:nvPr/>
+        </p:nvPicPr>
+        <p:blipFill>
+          <a:blip r:embed="rId2">
+            <a:alphaModFix/>
+          </a:blip>
+          <a:stretch>
+            <a:fillRect/>
+          </a:stretch>
+        </p:blipFill>
+        <p:spPr>
+          <a:xfrm>
+            <a:off x="0" y="0"/>
+            <a:ext cx="9144000" cy="6858000"/>
+          </a:xfrm>
+          <a:prstGeom prst="rect">
+            <a:avLst/>
+          </a:prstGeom>
+          <a:noFill/>
+          <a:ln>
+            <a:noFill/>
+          </a:ln>
+        </p:spPr>
+      </p:pic>
+      <p:pic>
+        <p:nvPicPr>
+          <p:cNvPr id="5" name="Picture 2" descr="C:\Users\Dimon\Desktop\logo.png"/>
+          <p:cNvPicPr>
+            <a:picLocks noChangeAspect="1" noChangeArrowheads="1"/>
+          </p:cNvPicPr>
+          <p:nvPr/>
+        </p:nvPicPr>
+        <p:blipFill>
+          <a:blip r:embed="rId3" cstate="print"/>
+          <a:srcRect/>
+          <a:stretch>
+            <a:fillRect/>
+          </a:stretch>
+        </p:blipFill>
+        <p:spPr bwMode="auto">
+          <a:xfrm>
+            <a:off x="8215306" y="5923626"/>
+            <a:ext cx="928694" cy="934374"/>
+          </a:xfrm>
+          <a:prstGeom prst="rect">
+            <a:avLst/>
+          </a:prstGeom>
+          <a:noFill/>
+        </p:spPr>
+      </p:pic>
+      <p:sp>
+        <p:nvSpPr>
+          <p:cNvPr id="6" name="Прямоугольник 5"/>
+          <p:cNvSpPr/>
+          <p:nvPr/>
+        </p:nvSpPr>
+        <p:spPr>
+          <a:xfrm>
+            <a:off x="0" y="0"/>
+            <a:ext cx="2565400" cy="801291"/>
+          </a:xfrm>
+          <a:prstGeom prst="rect">
+            <a:avLst/>
+          </a:prstGeom>
+          <a:solidFill>
+            <a:schemeClr val="bg1"/>
+          </a:solidFill>
+          <a:ln>
+            <a:solidFill>
+              <a:schemeClr val="bg1"/>
+            </a:solidFill>
+          </a:ln>
+        </p:spPr>
+        <p:style>
+          <a:lnRef idx="2">
+            <a:schemeClr val="accent1">
+              <a:shade val="50000"/>
+            </a:schemeClr>
+          </a:lnRef>
+          <a:fillRef idx="1">
+            <a:schemeClr val="accent1"/>
+          </a:fillRef>
+          <a:effectRef idx="0">
+            <a:schemeClr val="accent1"/>
+          </a:effectRef>
+          <a:fontRef idx="minor">
+            <a:schemeClr val="lt1"/>
+          </a:fontRef>
+        </p:style>
+        <p:txBody>
+          <a:bodyPr rtlCol="0" anchor="ctr"/>
+          <a:lstStyle/>
+          <a:p>
+            <a:pPr algn="ctr"/>
+            <a:endParaRPr lang="ru-RU" sz="1050"/>
+          </a:p>
+        </p:txBody>
+      </p:sp>
+      <p:pic>
+        <p:nvPicPr>
+          <p:cNvPr id="7" name="Рисунок 6"/>
+          <p:cNvPicPr>
+            <a:picLocks noChangeAspect="1"/>
+          </p:cNvPicPr>
+          <p:nvPr/>
+        </p:nvPicPr>
+        <p:blipFill>
+          <a:blip r:embed="rId4" cstate="print">
+            <a:extLst>
+              <a:ext uri="{28A0092B-C50C-407E-A947-70E740481C1C}">
+                <a14:useLocalDpi xmlns="" xmlns:a14="http://schemas.microsoft.com/office/drawing/2010/main" val="0"/>
+              </a:ext>
+            </a:extLst>
+          </a:blip>
+          <a:stretch>
+            <a:fillRect/>
+          </a:stretch>
+        </p:blipFill>
+        <p:spPr>
+          <a:xfrm>
+            <a:off x="114168" y="50891"/>
+            <a:ext cx="2356667" cy="709289"/>
+          </a:xfrm>
+          <a:prstGeom prst="rect">
+            <a:avLst/>
+          </a:prstGeom>
+        </p:spPr>
+      </p:pic>
+      <p:sp>
+        <p:nvSpPr>
+          <p:cNvPr id="8" name="Заголовок 7"/>
+          <p:cNvSpPr>
+            <a:spLocks noGrp="1"/>
+          </p:cNvSpPr>
+          <p:nvPr>
+            <p:ph type="title"/>
+          </p:nvPr>
+        </p:nvSpPr>
+        <p:spPr>
+          <a:xfrm>
+            <a:off x="2571736" y="142852"/>
+            <a:ext cx="4357718" cy="654032"/>
+          </a:xfrm>
+        </p:spPr>
+        <p:txBody>
+          <a:bodyPr>
+            <a:normAutofit fontScale="90000"/>
+          </a:bodyPr>
+          <a:lstStyle/>
+          <a:p>
+            <a:r>
+              <a:rPr lang="en-US" b="1" dirty="0" smtClean="0">
+                <a:solidFill>
+                  <a:schemeClr val="bg1"/>
+                </a:solidFill>
+              </a:rPr>
+              <a:t>UML</a:t>
+            </a:r>
+            <a:endParaRPr lang="ru-RU" b="1" dirty="0">
+              <a:solidFill>
+                <a:schemeClr val="bg1"/>
+              </a:solidFill>
+            </a:endParaRPr>
+          </a:p>
+        </p:txBody>
+      </p:sp>
+      <p:pic>
+        <p:nvPicPr>
+          <p:cNvPr id="19458" name="Picture 2" descr="D:\Downloads\uml.png"/>
+          <p:cNvPicPr>
+            <a:picLocks noChangeAspect="1" noChangeArrowheads="1"/>
+          </p:cNvPicPr>
+          <p:nvPr/>
+        </p:nvPicPr>
+        <p:blipFill>
+          <a:blip r:embed="rId5"/>
+          <a:srcRect/>
+          <a:stretch>
+            <a:fillRect/>
+          </a:stretch>
+        </p:blipFill>
+        <p:spPr bwMode="auto">
+          <a:xfrm>
+            <a:off x="3286116" y="1071546"/>
+            <a:ext cx="3214710" cy="5505098"/>
+          </a:xfrm>
+          <a:prstGeom prst="rect">
+            <a:avLst/>
+          </a:prstGeom>
+          <a:noFill/>
+        </p:spPr>
+      </p:pic>
+    </p:spTree>
+  </p:cSld>
+  <p:clrMapOvr>
+    <a:masterClrMapping/>
+  </p:clrMapOvr>
+</p:sld>
+</file>
+
+<file path=ppt/slides/slide9.xml><?xml version="1.0" encoding="utf-8"?>
+<p:sld xmlns:a="http://schemas.openxmlformats.org/drawingml/2006/main" xmlns:r="http://schemas.openxmlformats.org/officeDocument/2006/relationships" xmlns:p="http://schemas.openxmlformats.org/presentationml/2006/main">
+  <p:cSld>
+    <p:spTree>
+      <p:nvGrpSpPr>
+        <p:cNvPr id="1" name=""/>
+        <p:cNvGrpSpPr/>
+        <p:nvPr/>
+      </p:nvGrpSpPr>
+      <p:grpSpPr>
+        <a:xfrm>
+          <a:off x="0" y="0"/>
+          <a:ext cx="0" cy="0"/>
+          <a:chOff x="0" y="0"/>
+          <a:chExt cx="0" cy="0"/>
+        </a:xfrm>
+      </p:grpSpPr>
+      <p:pic>
+        <p:nvPicPr>
+          <p:cNvPr id="4" name="Shape 84"/>
+          <p:cNvPicPr preferRelativeResize="0"/>
+          <p:nvPr/>
+        </p:nvPicPr>
+        <p:blipFill>
+          <a:blip r:embed="rId2">
+            <a:alphaModFix/>
+          </a:blip>
+          <a:stretch>
+            <a:fillRect/>
+          </a:stretch>
+        </p:blipFill>
+        <p:spPr>
+          <a:xfrm>
+            <a:off x="0" y="0"/>
+            <a:ext cx="9144000" cy="6858000"/>
+          </a:xfrm>
+          <a:prstGeom prst="rect">
+            <a:avLst/>
+          </a:prstGeom>
+          <a:noFill/>
+          <a:ln>
+            <a:noFill/>
+          </a:ln>
+        </p:spPr>
+      </p:pic>
+      <p:pic>
+        <p:nvPicPr>
+          <p:cNvPr id="5" name="Picture 2" descr="C:\Users\Dimon\Desktop\logo.png"/>
+          <p:cNvPicPr>
+            <a:picLocks noChangeAspect="1" noChangeArrowheads="1"/>
+          </p:cNvPicPr>
+          <p:nvPr/>
+        </p:nvPicPr>
+        <p:blipFill>
+          <a:blip r:embed="rId3" cstate="print"/>
+          <a:srcRect/>
+          <a:stretch>
+            <a:fillRect/>
+          </a:stretch>
+        </p:blipFill>
+        <p:spPr bwMode="auto">
+          <a:xfrm>
+            <a:off x="8215306" y="5923626"/>
+            <a:ext cx="928694" cy="934374"/>
+          </a:xfrm>
+          <a:prstGeom prst="rect">
+            <a:avLst/>
+          </a:prstGeom>
+          <a:noFill/>
+        </p:spPr>
+      </p:pic>
+      <p:sp>
+        <p:nvSpPr>
+          <p:cNvPr id="6" name="Прямоугольник 5"/>
+          <p:cNvSpPr/>
+          <p:nvPr/>
+        </p:nvSpPr>
+        <p:spPr>
+          <a:xfrm>
+            <a:off x="0" y="0"/>
+            <a:ext cx="2565400" cy="801291"/>
+          </a:xfrm>
+          <a:prstGeom prst="rect">
+            <a:avLst/>
+          </a:prstGeom>
+          <a:solidFill>
+            <a:schemeClr val="bg1"/>
+          </a:solidFill>
+          <a:ln>
+            <a:solidFill>
+              <a:schemeClr val="bg1"/>
+            </a:solidFill>
+          </a:ln>
+        </p:spPr>
+        <p:style>
+          <a:lnRef idx="2">
+            <a:schemeClr val="accent1">
+              <a:shade val="50000"/>
+            </a:schemeClr>
+          </a:lnRef>
+          <a:fillRef idx="1">
+            <a:schemeClr val="accent1"/>
+          </a:fillRef>
+          <a:effectRef idx="0">
+            <a:schemeClr val="accent1"/>
+          </a:effectRef>
+          <a:fontRef idx="minor">
+            <a:schemeClr val="lt1"/>
+          </a:fontRef>
+        </p:style>
+        <p:txBody>
+          <a:bodyPr rtlCol="0" anchor="ctr"/>
+          <a:lstStyle/>
+          <a:p>
+            <a:pPr algn="ctr"/>
+            <a:endParaRPr lang="ru-RU" sz="1050"/>
+          </a:p>
+        </p:txBody>
+      </p:sp>
+      <p:pic>
+        <p:nvPicPr>
+          <p:cNvPr id="7" name="Рисунок 6"/>
+          <p:cNvPicPr>
+            <a:picLocks noChangeAspect="1"/>
+          </p:cNvPicPr>
+          <p:nvPr/>
+        </p:nvPicPr>
+        <p:blipFill>
+          <a:blip r:embed="rId4" cstate="print">
+            <a:extLst>
+              <a:ext uri="{28A0092B-C50C-407E-A947-70E740481C1C}">
+                <a14:useLocalDpi xmlns="" xmlns:a14="http://schemas.microsoft.com/office/drawing/2010/main" val="0"/>
+              </a:ext>
+            </a:extLst>
+          </a:blip>
+          <a:stretch>
+            <a:fillRect/>
+          </a:stretch>
+        </p:blipFill>
+        <p:spPr>
+          <a:xfrm>
+            <a:off x="114168" y="50891"/>
+            <a:ext cx="2356667" cy="709289"/>
+          </a:xfrm>
+          <a:prstGeom prst="rect">
+            <a:avLst/>
+          </a:prstGeom>
+        </p:spPr>
+      </p:pic>
+      <p:sp>
+        <p:nvSpPr>
+          <p:cNvPr id="8" name="Заголовок 7"/>
+          <p:cNvSpPr>
+            <a:spLocks noGrp="1"/>
+          </p:cNvSpPr>
+          <p:nvPr>
+            <p:ph type="title"/>
+          </p:nvPr>
+        </p:nvSpPr>
+        <p:spPr>
+          <a:xfrm>
+            <a:off x="2571736" y="142852"/>
+            <a:ext cx="6357982" cy="654032"/>
+          </a:xfrm>
+        </p:spPr>
+        <p:txBody>
+          <a:bodyPr>
+            <a:normAutofit fontScale="90000"/>
+          </a:bodyPr>
+          <a:lstStyle/>
+          <a:p>
+            <a:r>
+              <a:rPr lang="uk-UA" b="1" dirty="0" smtClean="0">
+                <a:solidFill>
+                  <a:schemeClr val="bg1"/>
+                </a:solidFill>
+              </a:rPr>
+              <a:t>Список ресурсів</a:t>
+            </a:r>
+            <a:endParaRPr lang="ru-RU" b="1" dirty="0">
+              <a:solidFill>
+                <a:schemeClr val="bg1"/>
+              </a:solidFill>
+            </a:endParaRPr>
+          </a:p>
+        </p:txBody>
+      </p:sp>
+      <p:sp>
+        <p:nvSpPr>
+          <p:cNvPr id="9" name="Заголовок 7"/>
+          <p:cNvSpPr txBox="1">
+            <a:spLocks/>
+          </p:cNvSpPr>
+          <p:nvPr/>
+        </p:nvSpPr>
+        <p:spPr>
+          <a:xfrm>
+            <a:off x="0" y="928670"/>
+            <a:ext cx="9144000" cy="1785950"/>
+          </a:xfrm>
+          <a:prstGeom prst="rect">
+            <a:avLst/>
+          </a:prstGeom>
+        </p:spPr>
+        <p:txBody>
+          <a:bodyPr vert="horz" lIns="91440" tIns="45720" rIns="91440" bIns="45720" rtlCol="0" anchor="ctr">
+            <a:normAutofit fontScale="75000" lnSpcReduction="20000"/>
+          </a:bodyPr>
+          <a:lstStyle/>
+          <a:p>
+            <a:pPr lvl="0">
+              <a:spcBef>
+                <a:spcPct val="0"/>
+              </a:spcBef>
+            </a:pPr>
+            <a:r>
+              <a:rPr lang="en-US" sz="4400" b="1" dirty="0" smtClean="0">
+                <a:solidFill>
+                  <a:schemeClr val="bg1"/>
+                </a:solidFill>
+                <a:latin typeface="+mj-lt"/>
+                <a:ea typeface="+mj-ea"/>
+                <a:cs typeface="+mj-cs"/>
+                <a:hlinkClick r:id="rId5"/>
+              </a:rPr>
+              <a:t>https</a:t>
+            </a:r>
+            <a:r>
+              <a:rPr lang="en-US" sz="4400" b="1" dirty="0" smtClean="0">
+                <a:solidFill>
+                  <a:schemeClr val="bg1"/>
+                </a:solidFill>
+                <a:latin typeface="+mj-lt"/>
+                <a:ea typeface="+mj-ea"/>
+                <a:cs typeface="+mj-cs"/>
+                <a:hlinkClick r:id="rId5"/>
+              </a:rPr>
+              <a:t>://</a:t>
+            </a:r>
+            <a:r>
+              <a:rPr lang="en-US" sz="4400" b="1" dirty="0" smtClean="0">
+                <a:solidFill>
+                  <a:schemeClr val="bg1"/>
+                </a:solidFill>
+                <a:latin typeface="+mj-lt"/>
+                <a:ea typeface="+mj-ea"/>
+                <a:cs typeface="+mj-cs"/>
+                <a:hlinkClick r:id="rId5"/>
+              </a:rPr>
+              <a:t>uk.wikipedia.org/wiki</a:t>
+            </a:r>
+            <a:r>
+              <a:rPr lang="uk-UA" sz="4400" b="1" dirty="0" smtClean="0">
+                <a:solidFill>
+                  <a:schemeClr val="bg1"/>
+                </a:solidFill>
+                <a:latin typeface="+mj-lt"/>
+                <a:ea typeface="+mj-ea"/>
+                <a:cs typeface="+mj-cs"/>
+                <a:hlinkClick r:id="rId5"/>
+              </a:rPr>
+              <a:t>/Двійкове_дерево</a:t>
+            </a:r>
+            <a:endParaRPr lang="uk-UA" sz="4400" b="1" dirty="0" smtClean="0">
+              <a:solidFill>
+                <a:schemeClr val="bg1"/>
+              </a:solidFill>
+              <a:latin typeface="+mj-lt"/>
+              <a:ea typeface="+mj-ea"/>
+              <a:cs typeface="+mj-cs"/>
+            </a:endParaRPr>
+          </a:p>
+          <a:p>
+            <a:pPr lvl="0">
+              <a:spcBef>
+                <a:spcPct val="0"/>
+              </a:spcBef>
+            </a:pPr>
+            <a:endParaRPr lang="uk-UA" sz="4400" b="1" dirty="0" smtClean="0">
+              <a:solidFill>
+                <a:schemeClr val="bg1"/>
+              </a:solidFill>
+              <a:latin typeface="+mj-lt"/>
+              <a:ea typeface="+mj-ea"/>
+              <a:cs typeface="+mj-cs"/>
+            </a:endParaRPr>
+          </a:p>
+          <a:p>
+            <a:pPr lvl="0">
+              <a:spcBef>
+                <a:spcPct val="0"/>
+              </a:spcBef>
+            </a:pPr>
+            <a:r>
+              <a:rPr lang="en-US" sz="4400" b="1" dirty="0" smtClean="0">
+                <a:solidFill>
+                  <a:schemeClr val="bg1"/>
+                </a:solidFill>
+                <a:latin typeface="+mj-lt"/>
+                <a:ea typeface="+mj-ea"/>
+                <a:cs typeface="+mj-cs"/>
+                <a:hlinkClick r:id="rId6"/>
+              </a:rPr>
+              <a:t>https://</a:t>
+            </a:r>
+            <a:r>
+              <a:rPr lang="en-US" sz="4400" b="1" dirty="0" smtClean="0">
+                <a:solidFill>
+                  <a:schemeClr val="bg1"/>
+                </a:solidFill>
+                <a:latin typeface="+mj-lt"/>
+                <a:ea typeface="+mj-ea"/>
+                <a:cs typeface="+mj-cs"/>
+                <a:hlinkClick r:id="rId6"/>
+              </a:rPr>
+              <a:t>uk.wikipedia.org/wiki/</a:t>
+            </a:r>
+            <a:r>
+              <a:rPr lang="uk-UA" sz="4400" b="1" dirty="0" smtClean="0">
+                <a:solidFill>
+                  <a:schemeClr val="bg1"/>
+                </a:solidFill>
+                <a:latin typeface="+mj-lt"/>
+                <a:ea typeface="+mj-ea"/>
+                <a:cs typeface="+mj-cs"/>
+                <a:hlinkClick r:id="rId6"/>
+              </a:rPr>
+              <a:t>Обхід_дерева</a:t>
+            </a:r>
+            <a:endParaRPr lang="uk-UA" sz="4400" b="1" dirty="0" smtClean="0">
+              <a:solidFill>
+                <a:schemeClr val="bg1"/>
+              </a:solidFill>
+              <a:latin typeface="+mj-lt"/>
+              <a:ea typeface="+mj-ea"/>
+              <a:cs typeface="+mj-cs"/>
+            </a:endParaRPr>
+          </a:p>
+          <a:p>
+            <a:pPr lvl="0">
+              <a:spcBef>
+                <a:spcPct val="0"/>
+              </a:spcBef>
+            </a:pPr>
+            <a:r>
+              <a:rPr lang="uk-UA" sz="4400" b="1" dirty="0" smtClean="0">
+                <a:solidFill>
+                  <a:schemeClr val="bg1"/>
+                </a:solidFill>
+                <a:latin typeface="+mj-lt"/>
+                <a:ea typeface="+mj-ea"/>
+                <a:cs typeface="+mj-cs"/>
+              </a:rPr>
+              <a:t> </a:t>
+            </a:r>
+            <a:endParaRPr kumimoji="0" lang="ru-RU" sz="4400" b="1" i="0" u="none" strike="noStrike" kern="1200" cap="none" spc="0" normalizeH="0" baseline="0" noProof="0" dirty="0">
+              <a:ln>
+                <a:noFill/>
+              </a:ln>
+              <a:solidFill>
+                <a:schemeClr val="bg1"/>
+              </a:solidFill>
+              <a:effectLst/>
+              <a:uLnTx/>
+              <a:uFillTx/>
+              <a:latin typeface="+mj-lt"/>
+              <a:ea typeface="+mj-ea"/>
+              <a:cs typeface="+mj-cs"/>
+            </a:endParaRPr>
+          </a:p>
+        </p:txBody>
+      </p:sp>
+      <p:pic>
+        <p:nvPicPr>
+          <p:cNvPr id="18434" name="Picture 2" descr="C:\Users\Dimon\Desktop\b56b3a77a2a94ea4870954c36888da98.png"/>
+          <p:cNvPicPr>
+            <a:picLocks noChangeAspect="1" noChangeArrowheads="1"/>
+          </p:cNvPicPr>
+          <p:nvPr/>
+        </p:nvPicPr>
+        <p:blipFill>
+          <a:blip r:embed="rId7"/>
+          <a:srcRect/>
+          <a:stretch>
+            <a:fillRect/>
+          </a:stretch>
+        </p:blipFill>
+        <p:spPr bwMode="auto">
+          <a:xfrm>
+            <a:off x="285750" y="3143248"/>
+            <a:ext cx="8572500" cy="2324100"/>
+          </a:xfrm>
+          <a:prstGeom prst="rect">
+            <a:avLst/>
+          </a:prstGeom>
+          <a:noFill/>
         </p:spPr>
       </p:pic>
     </p:spTree>
